--- a/materials/slides/第四章 字符串和数组.pptx
+++ b/materials/slides/第四章 字符串和数组.pptx
@@ -5,10 +5,10 @@
     <p:sldMasterId id="2147483655" r:id="rId1"/>
   </p:sldMasterIdLst>
   <p:notesMasterIdLst>
-    <p:notesMasterId r:id="rId26"/>
+    <p:notesMasterId r:id="rId28"/>
   </p:notesMasterIdLst>
   <p:handoutMasterIdLst>
-    <p:handoutMasterId r:id="rId27"/>
+    <p:handoutMasterId r:id="rId29"/>
   </p:handoutMasterIdLst>
   <p:sldIdLst>
     <p:sldId id="305" r:id="rId2"/>
@@ -17,24 +17,26 @@
     <p:sldId id="306" r:id="rId5"/>
     <p:sldId id="285" r:id="rId6"/>
     <p:sldId id="311" r:id="rId7"/>
-    <p:sldId id="286" r:id="rId8"/>
-    <p:sldId id="296" r:id="rId9"/>
-    <p:sldId id="297" r:id="rId10"/>
-    <p:sldId id="307" r:id="rId11"/>
-    <p:sldId id="289" r:id="rId12"/>
-    <p:sldId id="290" r:id="rId13"/>
-    <p:sldId id="302" r:id="rId14"/>
-    <p:sldId id="303" r:id="rId15"/>
-    <p:sldId id="310" r:id="rId16"/>
-    <p:sldId id="301" r:id="rId17"/>
-    <p:sldId id="298" r:id="rId18"/>
-    <p:sldId id="308" r:id="rId19"/>
-    <p:sldId id="294" r:id="rId20"/>
-    <p:sldId id="312" r:id="rId21"/>
-    <p:sldId id="299" r:id="rId22"/>
-    <p:sldId id="300" r:id="rId23"/>
-    <p:sldId id="271" r:id="rId24"/>
-    <p:sldId id="309" r:id="rId25"/>
+    <p:sldId id="314" r:id="rId8"/>
+    <p:sldId id="286" r:id="rId9"/>
+    <p:sldId id="296" r:id="rId10"/>
+    <p:sldId id="297" r:id="rId11"/>
+    <p:sldId id="307" r:id="rId12"/>
+    <p:sldId id="289" r:id="rId13"/>
+    <p:sldId id="290" r:id="rId14"/>
+    <p:sldId id="302" r:id="rId15"/>
+    <p:sldId id="303" r:id="rId16"/>
+    <p:sldId id="310" r:id="rId17"/>
+    <p:sldId id="313" r:id="rId18"/>
+    <p:sldId id="301" r:id="rId19"/>
+    <p:sldId id="298" r:id="rId20"/>
+    <p:sldId id="308" r:id="rId21"/>
+    <p:sldId id="294" r:id="rId22"/>
+    <p:sldId id="312" r:id="rId23"/>
+    <p:sldId id="299" r:id="rId24"/>
+    <p:sldId id="300" r:id="rId25"/>
+    <p:sldId id="271" r:id="rId26"/>
+    <p:sldId id="309" r:id="rId27"/>
   </p:sldIdLst>
   <p:sldSz cx="12192000" cy="6858000"/>
   <p:notesSz cx="6858000" cy="9144000"/>
@@ -135,7 +137,7 @@
   </p:defaultTextStyle>
   <p:extLst>
     <p:ext uri="{EFAFB233-063F-42B5-8137-9DF3F51BA10A}">
-      <p15:sldGuideLst xmlns:p15="http://schemas.microsoft.com/office/powerpoint/2012/main" xmlns="">
+      <p15:sldGuideLst xmlns="" xmlns:p15="http://schemas.microsoft.com/office/powerpoint/2012/main">
         <p15:guide id="1" orient="horz" pos="2160" userDrawn="1">
           <p15:clr>
             <a:srgbClr val="A4A3A4"/>
@@ -149,7 +151,7 @@
       </p15:sldGuideLst>
     </p:ext>
     <p:ext uri="{2D200454-40CA-4A62-9FC3-DE9A4176ACB9}">
-      <p15:notesGuideLst xmlns:p15="http://schemas.microsoft.com/office/powerpoint/2012/main" xmlns="">
+      <p15:notesGuideLst xmlns="" xmlns:p15="http://schemas.microsoft.com/office/powerpoint/2012/main">
         <p15:guide id="1" orient="horz" pos="2880">
           <p15:clr>
             <a:srgbClr val="A4A3A4"/>
@@ -249,7 +251,7 @@
             <a:fld id="{437C8CB6-18B8-413C-B318-A699700D3BD1}" type="datetimeFigureOut">
               <a:rPr lang="zh-CN" altLang="en-US" smtClean="0"/>
               <a:pPr/>
-              <a:t>2018/9/9</a:t>
+              <a:t>2018/9/29</a:t>
             </a:fld>
             <a:endParaRPr lang="zh-CN" altLang="en-US"/>
           </a:p>
@@ -416,7 +418,7 @@
             <a:fld id="{684D3FB2-7CB8-4067-B1A5-8C2CFD21EA41}" type="datetimeFigureOut">
               <a:rPr lang="zh-CN" altLang="en-US" smtClean="0"/>
               <a:pPr/>
-              <a:t>2018/9/9</a:t>
+              <a:t>2018/9/29</a:t>
             </a:fld>
             <a:endParaRPr lang="zh-CN" altLang="en-US"/>
           </a:p>
@@ -1063,9 +1065,64 @@
           <a:lstStyle/>
           <a:p>
             <a:r>
+              <a:rPr lang="en-US" altLang="zh-CN" dirty="0"/>
+              <a:t>substring()  </a:t>
+            </a:r>
+            <a:r>
+              <a:rPr lang="en-US" altLang="zh-CN" dirty="0" err="1"/>
+              <a:t>indexOf</a:t>
+            </a:r>
+            <a:r>
+              <a:rPr lang="en-US" altLang="zh-CN" dirty="0"/>
+              <a:t>() O</a:t>
+            </a:r>
+            <a:r>
               <a:rPr lang="zh-CN" altLang="en-US" dirty="0"/>
-              <a:t>参考手册一开始给学生</a:t>
-            </a:r>
+              <a:t>记得大写     </a:t>
+            </a:r>
+            <a:r>
+              <a:rPr lang="en-US" altLang="zh-CN" i="1" dirty="0"/>
+              <a:t>length</a:t>
+            </a:r>
+            <a:r>
+              <a:rPr lang="zh-CN" altLang="en-US" dirty="0"/>
+              <a:t> 可选。子串中的字符数。必须是数值。如果省略了该参数，那么返回从 </a:t>
+            </a:r>
+            <a:r>
+              <a:rPr lang="en-US" altLang="zh-CN" i="1" dirty="0" err="1"/>
+              <a:t>stringObject</a:t>
+            </a:r>
+            <a:r>
+              <a:rPr lang="zh-CN" altLang="en-US" dirty="0"/>
+              <a:t> 的开始位置到结尾的字串。</a:t>
+            </a:r>
+            <a:endParaRPr lang="en-US" altLang="zh-CN" dirty="0"/>
+          </a:p>
+          <a:p>
+            <a:r>
+              <a:rPr lang="zh-CN" altLang="en-US" dirty="0"/>
+              <a:t>“</a:t>
+            </a:r>
+            <a:r>
+              <a:rPr lang="en-US" altLang="zh-CN" dirty="0" err="1"/>
+              <a:t>abc</a:t>
+            </a:r>
+            <a:r>
+              <a:rPr lang="zh-CN" altLang="en-US" dirty="0"/>
+              <a:t>”</a:t>
+            </a:r>
+            <a:r>
+              <a:rPr lang="en-US" altLang="zh-CN" dirty="0"/>
+              <a:t>.length </a:t>
+            </a:r>
+            <a:r>
+              <a:rPr lang="zh-CN" altLang="en-US" dirty="0"/>
+              <a:t>的方法</a:t>
+            </a:r>
+            <a:endParaRPr lang="en-US" altLang="zh-CN" dirty="0"/>
+          </a:p>
+          <a:p>
+            <a:endParaRPr lang="zh-CN" altLang="en-US" dirty="0"/>
           </a:p>
         </p:txBody>
       </p:sp>
@@ -1087,7 +1144,7 @@
             <a:fld id="{82D80927-B3A3-4EAB-8C66-CA304D1796CA}" type="slidenum">
               <a:rPr lang="zh-CN" altLang="en-US" smtClean="0"/>
               <a:pPr/>
-              <a:t>9</a:t>
+              <a:t>7</a:t>
             </a:fld>
             <a:endParaRPr lang="zh-CN" altLang="en-US"/>
           </a:p>
@@ -1096,7 +1153,7 @@
     </p:spTree>
     <p:extLst>
       <p:ext uri="{BB962C8B-B14F-4D97-AF65-F5344CB8AC3E}">
-        <p14:creationId xmlns:p14="http://schemas.microsoft.com/office/powerpoint/2010/main" val="1010280532"/>
+        <p14:creationId xmlns:p14="http://schemas.microsoft.com/office/powerpoint/2010/main" val="3146620963"/>
       </p:ext>
     </p:extLst>
   </p:cSld>
@@ -1133,12 +1190,7 @@
             <p:ph type="sldImg"/>
           </p:nvPr>
         </p:nvSpPr>
-        <p:spPr>
-          <a:xfrm>
-            <a:off x="381000" y="685800"/>
-            <a:ext cx="6096000" cy="3429000"/>
-          </a:xfrm>
-        </p:spPr>
+        <p:spPr/>
       </p:sp>
       <p:sp>
         <p:nvSpPr>
@@ -1156,9 +1208,10 @@
           <a:lstStyle/>
           <a:p>
             <a:r>
-              <a:rPr lang="zh-CN" altLang="en-US" dirty="0"/>
-              <a:t>第二种声明方式是传统方式。但这两种声明方式没有区别。小括号里面可以写数字，直接声明数组的个数。</a:t>
-            </a:r>
+              <a:rPr lang="en-US" altLang="zh-CN" dirty="0" smtClean="0"/>
+              <a:t>http://www.w3school.com.cn/jsref/jsref_obj_string.asp</a:t>
+            </a:r>
+            <a:endParaRPr lang="zh-CN" altLang="en-US" dirty="0"/>
           </a:p>
         </p:txBody>
       </p:sp>
@@ -1180,7 +1233,7 @@
             <a:fld id="{82D80927-B3A3-4EAB-8C66-CA304D1796CA}" type="slidenum">
               <a:rPr lang="zh-CN" altLang="en-US" smtClean="0"/>
               <a:pPr/>
-              <a:t>11</a:t>
+              <a:t>8</a:t>
             </a:fld>
             <a:endParaRPr lang="zh-CN" altLang="en-US"/>
           </a:p>
@@ -1189,7 +1242,7 @@
     </p:spTree>
     <p:extLst>
       <p:ext uri="{BB962C8B-B14F-4D97-AF65-F5344CB8AC3E}">
-        <p14:creationId xmlns:p14="http://schemas.microsoft.com/office/powerpoint/2010/main" val="3831008544"/>
+        <p14:creationId xmlns:p14="http://schemas.microsoft.com/office/powerpoint/2010/main" val="2240651196"/>
       </p:ext>
     </p:extLst>
   </p:cSld>
@@ -1250,15 +1303,7 @@
           <a:p>
             <a:r>
               <a:rPr lang="zh-CN" altLang="en-US" dirty="0"/>
-              <a:t>直接赋值。</a:t>
-            </a:r>
-            <a:r>
-              <a:rPr lang="en-US" altLang="zh-CN" dirty="0"/>
-              <a:t>JS</a:t>
-            </a:r>
-            <a:r>
-              <a:rPr lang="zh-CN" altLang="en-US" dirty="0"/>
-              <a:t>里面没有二维数组的概念？只是间接的实现。</a:t>
+              <a:t>参考手册一开始给学生</a:t>
             </a:r>
           </a:p>
         </p:txBody>
@@ -1281,7 +1326,7 @@
             <a:fld id="{82D80927-B3A3-4EAB-8C66-CA304D1796CA}" type="slidenum">
               <a:rPr lang="zh-CN" altLang="en-US" smtClean="0"/>
               <a:pPr/>
-              <a:t>12</a:t>
+              <a:t>10</a:t>
             </a:fld>
             <a:endParaRPr lang="zh-CN" altLang="en-US"/>
           </a:p>
@@ -1290,7 +1335,7 @@
     </p:spTree>
     <p:extLst>
       <p:ext uri="{BB962C8B-B14F-4D97-AF65-F5344CB8AC3E}">
-        <p14:creationId xmlns:p14="http://schemas.microsoft.com/office/powerpoint/2010/main" val="3159493196"/>
+        <p14:creationId xmlns:p14="http://schemas.microsoft.com/office/powerpoint/2010/main" val="1010280532"/>
       </p:ext>
     </p:extLst>
   </p:cSld>
@@ -1349,7 +1394,10 @@
           <a:bodyPr/>
           <a:lstStyle/>
           <a:p>
-            <a:endParaRPr lang="zh-CN" altLang="en-US" dirty="0"/>
+            <a:r>
+              <a:rPr lang="zh-CN" altLang="en-US" dirty="0"/>
+              <a:t>第二种声明方式是传统方式。但这两种声明方式没有区别。小括号里面可以写数字，直接声明数组的个数。</a:t>
+            </a:r>
           </a:p>
         </p:txBody>
       </p:sp>
@@ -1371,7 +1419,198 @@
             <a:fld id="{82D80927-B3A3-4EAB-8C66-CA304D1796CA}" type="slidenum">
               <a:rPr lang="zh-CN" altLang="en-US" smtClean="0"/>
               <a:pPr/>
-              <a:t>16</a:t>
+              <a:t>12</a:t>
+            </a:fld>
+            <a:endParaRPr lang="zh-CN" altLang="en-US"/>
+          </a:p>
+        </p:txBody>
+      </p:sp>
+    </p:spTree>
+    <p:extLst>
+      <p:ext uri="{BB962C8B-B14F-4D97-AF65-F5344CB8AC3E}">
+        <p14:creationId xmlns:p14="http://schemas.microsoft.com/office/powerpoint/2010/main" val="3831008544"/>
+      </p:ext>
+    </p:extLst>
+  </p:cSld>
+  <p:clrMapOvr>
+    <a:masterClrMapping/>
+  </p:clrMapOvr>
+</p:notes>
+</file>
+
+<file path=ppt/notesSlides/notesSlide8.xml><?xml version="1.0" encoding="utf-8"?>
+<p:notes xmlns:a="http://schemas.openxmlformats.org/drawingml/2006/main" xmlns:r="http://schemas.openxmlformats.org/officeDocument/2006/relationships" xmlns:p="http://schemas.openxmlformats.org/presentationml/2006/main">
+  <p:cSld>
+    <p:spTree>
+      <p:nvGrpSpPr>
+        <p:cNvPr id="1" name=""/>
+        <p:cNvGrpSpPr/>
+        <p:nvPr/>
+      </p:nvGrpSpPr>
+      <p:grpSpPr>
+        <a:xfrm>
+          <a:off x="0" y="0"/>
+          <a:ext cx="0" cy="0"/>
+          <a:chOff x="0" y="0"/>
+          <a:chExt cx="0" cy="0"/>
+        </a:xfrm>
+      </p:grpSpPr>
+      <p:sp>
+        <p:nvSpPr>
+          <p:cNvPr id="2" name="幻灯片图像占位符 1"/>
+          <p:cNvSpPr>
+            <a:spLocks noGrp="1" noRot="1" noChangeAspect="1"/>
+          </p:cNvSpPr>
+          <p:nvPr>
+            <p:ph type="sldImg"/>
+          </p:nvPr>
+        </p:nvSpPr>
+        <p:spPr>
+          <a:xfrm>
+            <a:off x="381000" y="685800"/>
+            <a:ext cx="6096000" cy="3429000"/>
+          </a:xfrm>
+        </p:spPr>
+      </p:sp>
+      <p:sp>
+        <p:nvSpPr>
+          <p:cNvPr id="3" name="备注占位符 2"/>
+          <p:cNvSpPr>
+            <a:spLocks noGrp="1"/>
+          </p:cNvSpPr>
+          <p:nvPr>
+            <p:ph type="body" idx="1"/>
+          </p:nvPr>
+        </p:nvSpPr>
+        <p:spPr/>
+        <p:txBody>
+          <a:bodyPr/>
+          <a:lstStyle/>
+          <a:p>
+            <a:r>
+              <a:rPr lang="zh-CN" altLang="en-US" dirty="0"/>
+              <a:t>直接赋值。</a:t>
+            </a:r>
+            <a:r>
+              <a:rPr lang="en-US" altLang="zh-CN" dirty="0"/>
+              <a:t>JS</a:t>
+            </a:r>
+            <a:r>
+              <a:rPr lang="zh-CN" altLang="en-US" dirty="0"/>
+              <a:t>里面没有二维数组的概念？只是间接的实现。</a:t>
+            </a:r>
+          </a:p>
+        </p:txBody>
+      </p:sp>
+      <p:sp>
+        <p:nvSpPr>
+          <p:cNvPr id="4" name="灯片编号占位符 3"/>
+          <p:cNvSpPr>
+            <a:spLocks noGrp="1"/>
+          </p:cNvSpPr>
+          <p:nvPr>
+            <p:ph type="sldNum" sz="quarter" idx="10"/>
+          </p:nvPr>
+        </p:nvSpPr>
+        <p:spPr/>
+        <p:txBody>
+          <a:bodyPr/>
+          <a:lstStyle/>
+          <a:p>
+            <a:fld id="{82D80927-B3A3-4EAB-8C66-CA304D1796CA}" type="slidenum">
+              <a:rPr lang="zh-CN" altLang="en-US" smtClean="0"/>
+              <a:pPr/>
+              <a:t>13</a:t>
+            </a:fld>
+            <a:endParaRPr lang="zh-CN" altLang="en-US"/>
+          </a:p>
+        </p:txBody>
+      </p:sp>
+    </p:spTree>
+    <p:extLst>
+      <p:ext uri="{BB962C8B-B14F-4D97-AF65-F5344CB8AC3E}">
+        <p14:creationId xmlns:p14="http://schemas.microsoft.com/office/powerpoint/2010/main" val="3159493196"/>
+      </p:ext>
+    </p:extLst>
+  </p:cSld>
+  <p:clrMapOvr>
+    <a:masterClrMapping/>
+  </p:clrMapOvr>
+</p:notes>
+</file>
+
+<file path=ppt/notesSlides/notesSlide9.xml><?xml version="1.0" encoding="utf-8"?>
+<p:notes xmlns:a="http://schemas.openxmlformats.org/drawingml/2006/main" xmlns:r="http://schemas.openxmlformats.org/officeDocument/2006/relationships" xmlns:p="http://schemas.openxmlformats.org/presentationml/2006/main">
+  <p:cSld>
+    <p:spTree>
+      <p:nvGrpSpPr>
+        <p:cNvPr id="1" name=""/>
+        <p:cNvGrpSpPr/>
+        <p:nvPr/>
+      </p:nvGrpSpPr>
+      <p:grpSpPr>
+        <a:xfrm>
+          <a:off x="0" y="0"/>
+          <a:ext cx="0" cy="0"/>
+          <a:chOff x="0" y="0"/>
+          <a:chExt cx="0" cy="0"/>
+        </a:xfrm>
+      </p:grpSpPr>
+      <p:sp>
+        <p:nvSpPr>
+          <p:cNvPr id="2" name="幻灯片图像占位符 1"/>
+          <p:cNvSpPr>
+            <a:spLocks noGrp="1" noRot="1" noChangeAspect="1"/>
+          </p:cNvSpPr>
+          <p:nvPr>
+            <p:ph type="sldImg"/>
+          </p:nvPr>
+        </p:nvSpPr>
+        <p:spPr>
+          <a:xfrm>
+            <a:off x="381000" y="685800"/>
+            <a:ext cx="6096000" cy="3429000"/>
+          </a:xfrm>
+        </p:spPr>
+      </p:sp>
+      <p:sp>
+        <p:nvSpPr>
+          <p:cNvPr id="3" name="备注占位符 2"/>
+          <p:cNvSpPr>
+            <a:spLocks noGrp="1"/>
+          </p:cNvSpPr>
+          <p:nvPr>
+            <p:ph type="body" idx="1"/>
+          </p:nvPr>
+        </p:nvSpPr>
+        <p:spPr/>
+        <p:txBody>
+          <a:bodyPr/>
+          <a:lstStyle/>
+          <a:p>
+            <a:endParaRPr lang="zh-CN" altLang="en-US" dirty="0"/>
+          </a:p>
+        </p:txBody>
+      </p:sp>
+      <p:sp>
+        <p:nvSpPr>
+          <p:cNvPr id="4" name="灯片编号占位符 3"/>
+          <p:cNvSpPr>
+            <a:spLocks noGrp="1"/>
+          </p:cNvSpPr>
+          <p:nvPr>
+            <p:ph type="sldNum" sz="quarter" idx="10"/>
+          </p:nvPr>
+        </p:nvSpPr>
+        <p:spPr/>
+        <p:txBody>
+          <a:bodyPr/>
+          <a:lstStyle/>
+          <a:p>
+            <a:fld id="{82D80927-B3A3-4EAB-8C66-CA304D1796CA}" type="slidenum">
+              <a:rPr lang="zh-CN" altLang="en-US" smtClean="0"/>
+              <a:pPr/>
+              <a:t>18</a:t>
             </a:fld>
             <a:endParaRPr lang="zh-CN" altLang="en-US"/>
           </a:p>
@@ -2539,12 +2778,8 @@
               <a:t>Web</a:t>
             </a:r>
             <a:r>
-              <a:rPr lang="zh-CN" altLang="en-US" sz="4800" b="1" smtClean="0"/>
-              <a:t>开发（</a:t>
-            </a:r>
-            <a:r>
               <a:rPr lang="zh-CN" altLang="en-US" sz="4800" b="1" dirty="0"/>
-              <a:t>二）</a:t>
+              <a:t>开发（二）</a:t>
             </a:r>
             <a:endParaRPr lang="zh-CN" altLang="zh-CN" sz="4800" b="1" dirty="0"/>
           </a:p>
@@ -2679,10 +2914,232 @@
     <a:masterClrMapping/>
   </p:clrMapOvr>
   <p:transition advClick="0"/>
+  <p:timing>
+    <p:tnLst>
+      <p:par>
+        <p:cTn id="1" dur="indefinite" restart="never" nodeType="tmRoot"/>
+      </p:par>
+    </p:tnLst>
+  </p:timing>
 </p:sld>
 </file>
 
 <file path=ppt/slides/slide10.xml><?xml version="1.0" encoding="utf-8"?>
+<p:sld xmlns:a="http://schemas.openxmlformats.org/drawingml/2006/main" xmlns:r="http://schemas.openxmlformats.org/officeDocument/2006/relationships" xmlns:p="http://schemas.openxmlformats.org/presentationml/2006/main">
+  <p:cSld>
+    <p:spTree>
+      <p:nvGrpSpPr>
+        <p:cNvPr id="1" name=""/>
+        <p:cNvGrpSpPr/>
+        <p:nvPr/>
+      </p:nvGrpSpPr>
+      <p:grpSpPr>
+        <a:xfrm>
+          <a:off x="0" y="0"/>
+          <a:ext cx="0" cy="0"/>
+          <a:chOff x="0" y="0"/>
+          <a:chExt cx="0" cy="0"/>
+        </a:xfrm>
+      </p:grpSpPr>
+      <p:sp>
+        <p:nvSpPr>
+          <p:cNvPr id="3" name="内容占位符 2"/>
+          <p:cNvSpPr>
+            <a:spLocks noGrp="1"/>
+          </p:cNvSpPr>
+          <p:nvPr>
+            <p:ph sz="quarter" idx="10"/>
+          </p:nvPr>
+        </p:nvSpPr>
+        <p:spPr>
+          <a:xfrm>
+            <a:off x="1090714" y="1124744"/>
+            <a:ext cx="9715500" cy="4643437"/>
+          </a:xfrm>
+        </p:spPr>
+        <p:txBody>
+          <a:bodyPr/>
+          <a:lstStyle/>
+          <a:p>
+            <a:r>
+              <a:rPr lang="zh-CN" altLang="en-US" dirty="0"/>
+              <a:t> 字符串定义： 单引号或双引号定义</a:t>
+            </a:r>
+            <a:endParaRPr lang="en-US" altLang="zh-CN" dirty="0"/>
+          </a:p>
+          <a:p>
+            <a:r>
+              <a:rPr lang="zh-CN" altLang="en-US" dirty="0"/>
+              <a:t> 字符串常用操作：</a:t>
+            </a:r>
+            <a:endParaRPr lang="en-US" altLang="zh-CN" dirty="0"/>
+          </a:p>
+          <a:p>
+            <a:pPr lvl="1"/>
+            <a:r>
+              <a:rPr lang="zh-CN" altLang="en-US" sz="2400" dirty="0"/>
+              <a:t> 字符串长度：</a:t>
+            </a:r>
+            <a:r>
+              <a:rPr lang="en-US" altLang="zh-CN" sz="2400" dirty="0"/>
+              <a:t>length </a:t>
+            </a:r>
+            <a:r>
+              <a:rPr lang="zh-CN" altLang="en-US" sz="2400" dirty="0"/>
+              <a:t>属性</a:t>
+            </a:r>
+            <a:endParaRPr lang="en-US" altLang="zh-CN" sz="2400" dirty="0"/>
+          </a:p>
+          <a:p>
+            <a:pPr lvl="1"/>
+            <a:r>
+              <a:rPr lang="zh-CN" altLang="en-US" sz="2400" dirty="0"/>
+              <a:t> 截取子串：</a:t>
+            </a:r>
+            <a:r>
+              <a:rPr lang="en-US" altLang="zh-CN" sz="2400" dirty="0" err="1"/>
+              <a:t>substr</a:t>
+            </a:r>
+            <a:r>
+              <a:rPr lang="en-US" altLang="zh-CN" sz="2400" dirty="0"/>
+              <a:t>( ) </a:t>
+            </a:r>
+            <a:r>
+              <a:rPr lang="zh-CN" altLang="en-US" sz="2400" dirty="0"/>
+              <a:t>方法</a:t>
+            </a:r>
+            <a:endParaRPr lang="en-US" altLang="zh-CN" sz="2400" dirty="0"/>
+          </a:p>
+          <a:p>
+            <a:pPr lvl="1"/>
+            <a:r>
+              <a:rPr lang="zh-CN" altLang="en-US" sz="2400" dirty="0"/>
+              <a:t> 查找子串：</a:t>
+            </a:r>
+            <a:r>
+              <a:rPr lang="en-US" altLang="zh-CN" sz="2400" dirty="0"/>
+              <a:t>indexOf( ) </a:t>
+            </a:r>
+            <a:r>
+              <a:rPr lang="zh-CN" altLang="en-US" sz="2400" dirty="0" smtClean="0"/>
+              <a:t>方法</a:t>
+            </a:r>
+            <a:endParaRPr lang="en-US" altLang="zh-CN" sz="2400" dirty="0" smtClean="0"/>
+          </a:p>
+          <a:p>
+            <a:pPr lvl="1"/>
+            <a:r>
+              <a:rPr lang="zh-CN" altLang="en-US" sz="2400" dirty="0" smtClean="0"/>
+              <a:t> 返回</a:t>
+            </a:r>
+            <a:r>
+              <a:rPr lang="zh-CN" altLang="en-US" sz="2400" dirty="0"/>
+              <a:t>在指定位置的</a:t>
+            </a:r>
+            <a:r>
+              <a:rPr lang="zh-CN" altLang="en-US" sz="2400" dirty="0" smtClean="0"/>
+              <a:t>字符： </a:t>
+            </a:r>
+            <a:r>
+              <a:rPr lang="en-US" altLang="zh-CN" sz="2400" dirty="0" err="1" smtClean="0"/>
+              <a:t>charAt</a:t>
+            </a:r>
+            <a:r>
+              <a:rPr lang="en-US" altLang="zh-CN" sz="2400" dirty="0" smtClean="0"/>
+              <a:t>( )</a:t>
+            </a:r>
+            <a:r>
+              <a:rPr lang="zh-CN" altLang="en-US" sz="2400" dirty="0" smtClean="0"/>
+              <a:t>方法</a:t>
+            </a:r>
+            <a:endParaRPr lang="en-US" altLang="zh-CN" sz="2400" dirty="0"/>
+          </a:p>
+          <a:p>
+            <a:pPr lvl="1"/>
+            <a:r>
+              <a:rPr lang="zh-CN" altLang="en-US" sz="2400" dirty="0" smtClean="0"/>
+              <a:t> 把</a:t>
+            </a:r>
+            <a:r>
+              <a:rPr lang="zh-CN" altLang="en-US" sz="2400" dirty="0"/>
+              <a:t>字符串分割为字符串</a:t>
+            </a:r>
+            <a:r>
+              <a:rPr lang="zh-CN" altLang="en-US" sz="2400" dirty="0" smtClean="0"/>
+              <a:t>数组：</a:t>
+            </a:r>
+            <a:r>
+              <a:rPr lang="en-US" altLang="zh-CN" sz="2400" dirty="0" smtClean="0"/>
+              <a:t>split( )</a:t>
+            </a:r>
+            <a:r>
+              <a:rPr lang="zh-CN" altLang="en-US" sz="2400" dirty="0" smtClean="0"/>
+              <a:t>方法</a:t>
+            </a:r>
+            <a:endParaRPr lang="en-US" altLang="zh-CN" sz="2400" dirty="0"/>
+          </a:p>
+          <a:p>
+            <a:pPr lvl="1"/>
+            <a:r>
+              <a:rPr lang="zh-CN" altLang="en-US" sz="2400" dirty="0"/>
+              <a:t> 字符串连接运算符： </a:t>
+            </a:r>
+            <a:r>
+              <a:rPr lang="en-US" altLang="zh-CN" sz="2400" dirty="0"/>
+              <a:t>+   +=</a:t>
+            </a:r>
+          </a:p>
+          <a:p>
+            <a:pPr marL="168275" lvl="1" indent="0">
+              <a:buNone/>
+            </a:pPr>
+            <a:endParaRPr lang="zh-CN" altLang="en-US" sz="2400" dirty="0"/>
+          </a:p>
+        </p:txBody>
+      </p:sp>
+      <p:sp>
+        <p:nvSpPr>
+          <p:cNvPr id="4" name="内容占位符 3"/>
+          <p:cNvSpPr>
+            <a:spLocks noGrp="1"/>
+          </p:cNvSpPr>
+          <p:nvPr>
+            <p:ph sz="quarter" idx="11"/>
+          </p:nvPr>
+        </p:nvSpPr>
+        <p:spPr/>
+        <p:txBody>
+          <a:bodyPr/>
+          <a:lstStyle/>
+          <a:p>
+            <a:r>
+              <a:rPr lang="zh-CN" altLang="en-US" dirty="0"/>
+              <a:t>字符串小结</a:t>
+            </a:r>
+          </a:p>
+        </p:txBody>
+      </p:sp>
+    </p:spTree>
+    <p:extLst>
+      <p:ext uri="{BB962C8B-B14F-4D97-AF65-F5344CB8AC3E}">
+        <p14:creationId xmlns:p14="http://schemas.microsoft.com/office/powerpoint/2010/main" val="1577181737"/>
+      </p:ext>
+    </p:extLst>
+  </p:cSld>
+  <p:clrMapOvr>
+    <a:masterClrMapping/>
+  </p:clrMapOvr>
+  <p:timing>
+    <p:tnLst>
+      <p:par>
+        <p:cTn id="1" dur="indefinite" restart="never" nodeType="tmRoot"/>
+      </p:par>
+    </p:tnLst>
+  </p:timing>
+</p:sld>
+</file>
+
+<file path=ppt/slides/slide11.xml><?xml version="1.0" encoding="utf-8"?>
 <p:sld xmlns:a="http://schemas.openxmlformats.org/drawingml/2006/main" xmlns:r="http://schemas.openxmlformats.org/officeDocument/2006/relationships" xmlns:p="http://schemas.openxmlformats.org/presentationml/2006/main">
   <p:cSld>
     <p:spTree>
@@ -2995,10 +3452,17 @@
   <p:clrMapOvr>
     <a:masterClrMapping/>
   </p:clrMapOvr>
+  <p:timing>
+    <p:tnLst>
+      <p:par>
+        <p:cTn id="1" dur="indefinite" restart="never" nodeType="tmRoot"/>
+      </p:par>
+    </p:tnLst>
+  </p:timing>
 </p:sld>
 </file>
 
-<file path=ppt/slides/slide11.xml><?xml version="1.0" encoding="utf-8"?>
+<file path=ppt/slides/slide12.xml><?xml version="1.0" encoding="utf-8"?>
 <p:sld xmlns:a="http://schemas.openxmlformats.org/drawingml/2006/main" xmlns:r="http://schemas.openxmlformats.org/officeDocument/2006/relationships" xmlns:p="http://schemas.openxmlformats.org/presentationml/2006/main">
   <p:cSld>
     <p:spTree>
@@ -3297,209 +3761,13 @@
   <p:clrMapOvr>
     <a:masterClrMapping/>
   </p:clrMapOvr>
-</p:sld>
-</file>
-
-<file path=ppt/slides/slide12.xml><?xml version="1.0" encoding="utf-8"?>
-<p:sld xmlns:a="http://schemas.openxmlformats.org/drawingml/2006/main" xmlns:r="http://schemas.openxmlformats.org/officeDocument/2006/relationships" xmlns:p="http://schemas.openxmlformats.org/presentationml/2006/main">
-  <p:cSld>
-    <p:spTree>
-      <p:nvGrpSpPr>
-        <p:cNvPr id="1" name=""/>
-        <p:cNvGrpSpPr/>
-        <p:nvPr/>
-      </p:nvGrpSpPr>
-      <p:grpSpPr>
-        <a:xfrm>
-          <a:off x="0" y="0"/>
-          <a:ext cx="0" cy="0"/>
-          <a:chOff x="0" y="0"/>
-          <a:chExt cx="0" cy="0"/>
-        </a:xfrm>
-      </p:grpSpPr>
-      <p:sp>
-        <p:nvSpPr>
-          <p:cNvPr id="3" name="内容占位符 2"/>
-          <p:cNvSpPr>
-            <a:spLocks noGrp="1"/>
-          </p:cNvSpPr>
-          <p:nvPr>
-            <p:ph sz="quarter" idx="10"/>
-          </p:nvPr>
-        </p:nvSpPr>
-        <p:spPr/>
-        <p:txBody>
-          <a:bodyPr/>
-          <a:lstStyle/>
-          <a:p>
-            <a:r>
-              <a:rPr lang="zh-CN" altLang="en-US" dirty="0"/>
-              <a:t> 多条记录的表示</a:t>
-            </a:r>
-            <a:r>
-              <a:rPr lang="en-US" altLang="zh-CN" dirty="0"/>
-              <a:t>----</a:t>
-            </a:r>
-            <a:r>
-              <a:rPr lang="zh-CN" altLang="en-US" dirty="0">
-                <a:solidFill>
-                  <a:srgbClr val="FF0000"/>
-                </a:solidFill>
-              </a:rPr>
-              <a:t>二维数组</a:t>
-            </a:r>
-            <a:endParaRPr lang="en-US" altLang="zh-CN" dirty="0">
-              <a:solidFill>
-                <a:srgbClr val="FF0000"/>
-              </a:solidFill>
-            </a:endParaRPr>
-          </a:p>
-          <a:p>
-            <a:endParaRPr lang="en-US" altLang="zh-CN" dirty="0"/>
-          </a:p>
-          <a:p>
-            <a:pPr lvl="1">
-              <a:buNone/>
-            </a:pPr>
-            <a:r>
-              <a:rPr lang="en-US" altLang="zh-CN" sz="2400" b="1" dirty="0"/>
-              <a:t>   var msg=</a:t>
-            </a:r>
-            <a:r>
-              <a:rPr lang="en-US" altLang="zh-CN" sz="2400" b="1" dirty="0">
-                <a:solidFill>
-                  <a:srgbClr val="FF0000"/>
-                </a:solidFill>
-              </a:rPr>
-              <a:t>[ </a:t>
-            </a:r>
-            <a:r>
-              <a:rPr lang="en-US" altLang="zh-CN" sz="2400" b="1" dirty="0"/>
-              <a:t>[ ‘</a:t>
-            </a:r>
-            <a:r>
-              <a:rPr lang="zh-CN" altLang="en-US" sz="2400" b="1" dirty="0"/>
-              <a:t>张三</a:t>
-            </a:r>
-            <a:r>
-              <a:rPr lang="en-US" altLang="zh-CN" sz="2400" b="1" dirty="0"/>
-              <a:t>’,  ‘</a:t>
-            </a:r>
-            <a:r>
-              <a:rPr lang="zh-CN" altLang="en-US" sz="2400" b="1" dirty="0"/>
-              <a:t>男</a:t>
-            </a:r>
-            <a:r>
-              <a:rPr lang="en-US" altLang="zh-CN" sz="2400" b="1" dirty="0"/>
-              <a:t>’,  18 ],  </a:t>
-            </a:r>
-          </a:p>
-          <a:p>
-            <a:pPr lvl="1">
-              <a:spcBef>
-                <a:spcPts val="600"/>
-              </a:spcBef>
-              <a:spcAft>
-                <a:spcPts val="600"/>
-              </a:spcAft>
-              <a:buClr>
-                <a:schemeClr val="tx1"/>
-              </a:buClr>
-              <a:buSzPct val="90000"/>
-              <a:buNone/>
-            </a:pPr>
-            <a:r>
-              <a:rPr lang="en-US" altLang="zh-CN" sz="2400" b="1" dirty="0"/>
-              <a:t>		                  [‘</a:t>
-            </a:r>
-            <a:r>
-              <a:rPr lang="zh-CN" altLang="en-US" sz="2400" b="1" dirty="0"/>
-              <a:t>李四</a:t>
-            </a:r>
-            <a:r>
-              <a:rPr lang="en-US" altLang="zh-CN" sz="2400" b="1" dirty="0"/>
-              <a:t>’,  ‘</a:t>
-            </a:r>
-            <a:r>
-              <a:rPr lang="zh-CN" altLang="en-US" sz="2400" b="1" dirty="0"/>
-              <a:t>女</a:t>
-            </a:r>
-            <a:r>
-              <a:rPr lang="en-US" altLang="zh-CN" sz="2400" b="1" dirty="0"/>
-              <a:t>’,  16 ], </a:t>
-            </a:r>
-          </a:p>
-          <a:p>
-            <a:pPr lvl="1">
-              <a:spcBef>
-                <a:spcPts val="600"/>
-              </a:spcBef>
-              <a:spcAft>
-                <a:spcPts val="600"/>
-              </a:spcAft>
-              <a:buClr>
-                <a:schemeClr val="tx1"/>
-              </a:buClr>
-              <a:buSzPct val="90000"/>
-              <a:buNone/>
-            </a:pPr>
-            <a:r>
-              <a:rPr lang="en-US" altLang="zh-CN" sz="2400" b="1" dirty="0"/>
-              <a:t>                        ……      </a:t>
-            </a:r>
-          </a:p>
-          <a:p>
-            <a:pPr marL="489812" lvl="1" indent="0">
-              <a:buNone/>
-            </a:pPr>
-            <a:r>
-              <a:rPr lang="en-US" altLang="zh-CN" sz="2400" b="1" dirty="0">
-                <a:solidFill>
-                  <a:srgbClr val="FF0000"/>
-                </a:solidFill>
-              </a:rPr>
-              <a:t>               ]</a:t>
-            </a:r>
-            <a:r>
-              <a:rPr lang="en-US" altLang="zh-CN" sz="2400" b="1" dirty="0"/>
-              <a:t>;</a:t>
-            </a:r>
-            <a:endParaRPr lang="zh-CN" altLang="en-US" sz="2400" b="1" dirty="0"/>
-          </a:p>
-        </p:txBody>
-      </p:sp>
-      <p:sp>
-        <p:nvSpPr>
-          <p:cNvPr id="4" name="内容占位符 3"/>
-          <p:cNvSpPr>
-            <a:spLocks noGrp="1"/>
-          </p:cNvSpPr>
-          <p:nvPr>
-            <p:ph sz="quarter" idx="11"/>
-          </p:nvPr>
-        </p:nvSpPr>
-        <p:spPr/>
-        <p:txBody>
-          <a:bodyPr/>
-          <a:lstStyle/>
-          <a:p>
-            <a:r>
-              <a:rPr lang="zh-CN" altLang="en-US" dirty="0"/>
-              <a:t>多条记录的表示</a:t>
-            </a:r>
-          </a:p>
-        </p:txBody>
-      </p:sp>
-    </p:spTree>
-    <p:extLst>
-      <p:ext uri="{BB962C8B-B14F-4D97-AF65-F5344CB8AC3E}">
-        <p14:creationId xmlns:p14="http://schemas.microsoft.com/office/powerpoint/2010/main" val="3636192880"/>
-      </p:ext>
-    </p:extLst>
-  </p:cSld>
-  <p:clrMapOvr>
-    <a:masterClrMapping/>
-  </p:clrMapOvr>
+  <p:timing>
+    <p:tnLst>
+      <p:par>
+        <p:cTn id="1" dur="indefinite" restart="never" nodeType="tmRoot"/>
+      </p:par>
+    </p:tnLst>
+  </p:timing>
 </p:sld>
 </file>
 
@@ -3537,69 +3805,137 @@
           <a:p>
             <a:r>
               <a:rPr lang="zh-CN" altLang="en-US" dirty="0"/>
-              <a:t> 一维数组</a:t>
-            </a:r>
+              <a:t> 多条记录的表示</a:t>
+            </a:r>
+            <a:r>
+              <a:rPr lang="en-US" altLang="zh-CN" dirty="0"/>
+              <a:t>----</a:t>
+            </a:r>
+            <a:r>
+              <a:rPr lang="zh-CN" altLang="en-US" dirty="0">
+                <a:solidFill>
+                  <a:srgbClr val="FF0000"/>
+                </a:solidFill>
+              </a:rPr>
+              <a:t>二维数组</a:t>
+            </a:r>
+            <a:endParaRPr lang="en-US" altLang="zh-CN" dirty="0">
+              <a:solidFill>
+                <a:srgbClr val="FF0000"/>
+              </a:solidFill>
+            </a:endParaRPr>
+          </a:p>
+          <a:p>
             <a:endParaRPr lang="en-US" altLang="zh-CN" dirty="0"/>
           </a:p>
           <a:p>
-            <a:pPr lvl="1"/>
-            <a:r>
-              <a:rPr lang="en-US" altLang="zh-CN" sz="2400" dirty="0"/>
-              <a:t> arr1[0]</a:t>
-            </a:r>
-          </a:p>
-          <a:p>
-            <a:pPr lvl="1"/>
-            <a:r>
-              <a:rPr lang="en-US" altLang="zh-CN" sz="2400" dirty="0"/>
-              <a:t> arr1[1]</a:t>
-            </a:r>
-            <a:endParaRPr lang="en-US" altLang="zh-CN" sz="900" dirty="0"/>
-          </a:p>
-          <a:p>
-            <a:r>
-              <a:rPr lang="zh-CN" altLang="en-US" dirty="0"/>
-              <a:t> 二维数组</a:t>
-            </a:r>
-            <a:endParaRPr lang="en-US" altLang="zh-CN" dirty="0"/>
-          </a:p>
-          <a:p>
-            <a:pPr lvl="1"/>
-            <a:r>
-              <a:rPr lang="en-US" altLang="zh-CN" sz="2400" dirty="0"/>
-              <a:t> </a:t>
-            </a:r>
-            <a:r>
-              <a:rPr lang="en-US" altLang="zh-CN" sz="2400" dirty="0" err="1"/>
-              <a:t>msg</a:t>
-            </a:r>
-            <a:r>
-              <a:rPr lang="en-US" altLang="zh-CN" sz="2400" dirty="0"/>
-              <a:t>[0][0]</a:t>
-            </a:r>
-          </a:p>
-          <a:p>
-            <a:pPr lvl="1"/>
-            <a:r>
-              <a:rPr lang="en-US" altLang="zh-CN" sz="2400" dirty="0"/>
-              <a:t> </a:t>
-            </a:r>
-            <a:r>
-              <a:rPr lang="en-US" altLang="zh-CN" sz="2400" dirty="0" err="1"/>
-              <a:t>msg</a:t>
-            </a:r>
-            <a:r>
-              <a:rPr lang="en-US" altLang="zh-CN" sz="2400" dirty="0"/>
-              <a:t>[0][1]</a:t>
-            </a:r>
-          </a:p>
-          <a:p>
-            <a:pPr lvl="1"/>
-            <a:r>
-              <a:rPr lang="en-US" altLang="zh-CN" sz="2400" dirty="0"/>
-              <a:t> ….</a:t>
-            </a:r>
-            <a:endParaRPr lang="zh-CN" altLang="en-US" sz="2400" dirty="0"/>
+            <a:pPr lvl="1">
+              <a:buNone/>
+            </a:pPr>
+            <a:r>
+              <a:rPr lang="en-US" altLang="zh-CN" sz="2400" b="1" dirty="0"/>
+              <a:t>   var msg=</a:t>
+            </a:r>
+            <a:r>
+              <a:rPr lang="en-US" altLang="zh-CN" sz="2400" b="1" dirty="0">
+                <a:solidFill>
+                  <a:srgbClr val="FF0000"/>
+                </a:solidFill>
+              </a:rPr>
+              <a:t>[ </a:t>
+            </a:r>
+            <a:r>
+              <a:rPr lang="en-US" altLang="zh-CN" sz="2400" b="1" dirty="0"/>
+              <a:t>[ ‘</a:t>
+            </a:r>
+            <a:r>
+              <a:rPr lang="zh-CN" altLang="en-US" sz="2400" b="1" dirty="0"/>
+              <a:t>张三</a:t>
+            </a:r>
+            <a:r>
+              <a:rPr lang="en-US" altLang="zh-CN" sz="2400" b="1" dirty="0"/>
+              <a:t>’,  ‘</a:t>
+            </a:r>
+            <a:r>
+              <a:rPr lang="zh-CN" altLang="en-US" sz="2400" b="1" dirty="0"/>
+              <a:t>男</a:t>
+            </a:r>
+            <a:r>
+              <a:rPr lang="en-US" altLang="zh-CN" sz="2400" b="1" dirty="0"/>
+              <a:t>’,  18 ],  </a:t>
+            </a:r>
+          </a:p>
+          <a:p>
+            <a:pPr lvl="1">
+              <a:spcBef>
+                <a:spcPts val="600"/>
+              </a:spcBef>
+              <a:spcAft>
+                <a:spcPts val="600"/>
+              </a:spcAft>
+              <a:buClr>
+                <a:schemeClr val="tx1"/>
+              </a:buClr>
+              <a:buSzPct val="90000"/>
+              <a:buNone/>
+            </a:pPr>
+            <a:r>
+              <a:rPr lang="en-US" altLang="zh-CN" sz="2400" b="1" dirty="0"/>
+              <a:t>		                  [‘</a:t>
+            </a:r>
+            <a:r>
+              <a:rPr lang="zh-CN" altLang="en-US" sz="2400" b="1" dirty="0"/>
+              <a:t>李四</a:t>
+            </a:r>
+            <a:r>
+              <a:rPr lang="en-US" altLang="zh-CN" sz="2400" b="1" dirty="0"/>
+              <a:t>’,  ‘</a:t>
+            </a:r>
+            <a:r>
+              <a:rPr lang="zh-CN" altLang="en-US" sz="2400" b="1" dirty="0"/>
+              <a:t>女</a:t>
+            </a:r>
+            <a:r>
+              <a:rPr lang="en-US" altLang="zh-CN" sz="2400" b="1" dirty="0"/>
+              <a:t>’,  16 ], </a:t>
+            </a:r>
+          </a:p>
+          <a:p>
+            <a:pPr lvl="1">
+              <a:spcBef>
+                <a:spcPts val="600"/>
+              </a:spcBef>
+              <a:spcAft>
+                <a:spcPts val="600"/>
+              </a:spcAft>
+              <a:buClr>
+                <a:schemeClr val="tx1"/>
+              </a:buClr>
+              <a:buSzPct val="90000"/>
+              <a:buNone/>
+            </a:pPr>
+            <a:r>
+              <a:rPr lang="en-US" altLang="zh-CN" sz="2400" b="1" dirty="0"/>
+              <a:t>                        ……      </a:t>
+            </a:r>
+          </a:p>
+          <a:p>
+            <a:pPr marL="489812" lvl="1" indent="0">
+              <a:buNone/>
+            </a:pPr>
+            <a:r>
+              <a:rPr lang="en-US" altLang="zh-CN" sz="2400" b="1" dirty="0">
+                <a:solidFill>
+                  <a:srgbClr val="FF0000"/>
+                </a:solidFill>
+              </a:rPr>
+              <a:t>               ]</a:t>
+            </a:r>
+            <a:r>
+              <a:rPr lang="en-US" altLang="zh-CN" sz="2400" b="1" dirty="0"/>
+              <a:t>;</a:t>
+            </a:r>
+            <a:endParaRPr lang="zh-CN" altLang="en-US" sz="2400" b="1" dirty="0"/>
           </a:p>
         </p:txBody>
       </p:sp>
@@ -3620,7 +3956,7 @@
           <a:p>
             <a:r>
               <a:rPr lang="zh-CN" altLang="en-US" dirty="0"/>
-              <a:t>访问数组中的元素</a:t>
+              <a:t>多条记录的表示</a:t>
             </a:r>
           </a:p>
         </p:txBody>
@@ -3628,13 +3964,20 @@
     </p:spTree>
     <p:extLst>
       <p:ext uri="{BB962C8B-B14F-4D97-AF65-F5344CB8AC3E}">
-        <p14:creationId xmlns:p14="http://schemas.microsoft.com/office/powerpoint/2010/main" val="3165817053"/>
+        <p14:creationId xmlns:p14="http://schemas.microsoft.com/office/powerpoint/2010/main" val="3636192880"/>
       </p:ext>
     </p:extLst>
   </p:cSld>
   <p:clrMapOvr>
     <a:masterClrMapping/>
   </p:clrMapOvr>
+  <p:timing>
+    <p:tnLst>
+      <p:par>
+        <p:cTn id="1" dur="indefinite" restart="never" nodeType="tmRoot"/>
+      </p:par>
+    </p:tnLst>
+  </p:timing>
 </p:sld>
 </file>
 
@@ -3672,25 +4015,31 @@
           <a:p>
             <a:r>
               <a:rPr lang="zh-CN" altLang="en-US" dirty="0"/>
-              <a:t> 数组的 </a:t>
-            </a:r>
-            <a:r>
-              <a:rPr lang="en-US" altLang="zh-CN" dirty="0"/>
-              <a:t>length </a:t>
-            </a:r>
+              <a:t> 一维数组</a:t>
+            </a:r>
+            <a:endParaRPr lang="en-US" altLang="zh-CN" dirty="0"/>
+          </a:p>
+          <a:p>
+            <a:pPr lvl="1"/>
+            <a:r>
+              <a:rPr lang="en-US" altLang="zh-CN" sz="2400" dirty="0"/>
+              <a:t> arr1[0]</a:t>
+            </a:r>
+          </a:p>
+          <a:p>
+            <a:pPr lvl="1"/>
+            <a:r>
+              <a:rPr lang="en-US" altLang="zh-CN" sz="2400" dirty="0"/>
+              <a:t> arr1[1]</a:t>
+            </a:r>
+            <a:endParaRPr lang="en-US" altLang="zh-CN" sz="900" dirty="0"/>
+          </a:p>
+          <a:p>
             <a:r>
               <a:rPr lang="zh-CN" altLang="en-US" dirty="0"/>
-              <a:t>属性</a:t>
+              <a:t> 二维数组</a:t>
             </a:r>
             <a:endParaRPr lang="en-US" altLang="zh-CN" dirty="0"/>
-          </a:p>
-          <a:p>
-            <a:pPr lvl="1"/>
-            <a:r>
-              <a:rPr lang="zh-CN" altLang="en-US" sz="2400" dirty="0"/>
-              <a:t> 返回数组长度的整数值</a:t>
-            </a:r>
-            <a:endParaRPr lang="en-US" altLang="zh-CN" sz="2400" dirty="0"/>
           </a:p>
           <a:p>
             <a:pPr lvl="1"/>
@@ -3700,19 +4049,33 @@
             </a:r>
             <a:r>
               <a:rPr lang="en-US" altLang="zh-CN" sz="2400" dirty="0" err="1"/>
-              <a:t>var</a:t>
-            </a:r>
+              <a:t>msg</a:t>
+            </a:r>
+            <a:r>
+              <a:rPr lang="en-US" altLang="zh-CN" sz="2400" dirty="0"/>
+              <a:t>[0][0]</a:t>
+            </a:r>
+          </a:p>
+          <a:p>
+            <a:pPr lvl="1"/>
             <a:r>
               <a:rPr lang="en-US" altLang="zh-CN" sz="2400" dirty="0"/>
               <a:t> </a:t>
             </a:r>
             <a:r>
               <a:rPr lang="en-US" altLang="zh-CN" sz="2400" dirty="0" err="1"/>
-              <a:t>num</a:t>
+              <a:t>msg</a:t>
             </a:r>
             <a:r>
               <a:rPr lang="en-US" altLang="zh-CN" sz="2400" dirty="0"/>
-              <a:t> = arr1.length;</a:t>
+              <a:t>[0][1]</a:t>
+            </a:r>
+          </a:p>
+          <a:p>
+            <a:pPr lvl="1"/>
+            <a:r>
+              <a:rPr lang="en-US" altLang="zh-CN" sz="2400" dirty="0"/>
+              <a:t> ….</a:t>
             </a:r>
             <a:endParaRPr lang="zh-CN" altLang="en-US" sz="2400" dirty="0"/>
           </a:p>
@@ -3735,6 +4098,128 @@
           <a:p>
             <a:r>
               <a:rPr lang="zh-CN" altLang="en-US" dirty="0"/>
+              <a:t>访问数组中的元素</a:t>
+            </a:r>
+          </a:p>
+        </p:txBody>
+      </p:sp>
+    </p:spTree>
+    <p:extLst>
+      <p:ext uri="{BB962C8B-B14F-4D97-AF65-F5344CB8AC3E}">
+        <p14:creationId xmlns:p14="http://schemas.microsoft.com/office/powerpoint/2010/main" val="3165817053"/>
+      </p:ext>
+    </p:extLst>
+  </p:cSld>
+  <p:clrMapOvr>
+    <a:masterClrMapping/>
+  </p:clrMapOvr>
+  <p:timing>
+    <p:tnLst>
+      <p:par>
+        <p:cTn id="1" dur="indefinite" restart="never" nodeType="tmRoot"/>
+      </p:par>
+    </p:tnLst>
+  </p:timing>
+</p:sld>
+</file>
+
+<file path=ppt/slides/slide15.xml><?xml version="1.0" encoding="utf-8"?>
+<p:sld xmlns:a="http://schemas.openxmlformats.org/drawingml/2006/main" xmlns:r="http://schemas.openxmlformats.org/officeDocument/2006/relationships" xmlns:p="http://schemas.openxmlformats.org/presentationml/2006/main">
+  <p:cSld>
+    <p:spTree>
+      <p:nvGrpSpPr>
+        <p:cNvPr id="1" name=""/>
+        <p:cNvGrpSpPr/>
+        <p:nvPr/>
+      </p:nvGrpSpPr>
+      <p:grpSpPr>
+        <a:xfrm>
+          <a:off x="0" y="0"/>
+          <a:ext cx="0" cy="0"/>
+          <a:chOff x="0" y="0"/>
+          <a:chExt cx="0" cy="0"/>
+        </a:xfrm>
+      </p:grpSpPr>
+      <p:sp>
+        <p:nvSpPr>
+          <p:cNvPr id="3" name="内容占位符 2"/>
+          <p:cNvSpPr>
+            <a:spLocks noGrp="1"/>
+          </p:cNvSpPr>
+          <p:nvPr>
+            <p:ph sz="quarter" idx="10"/>
+          </p:nvPr>
+        </p:nvSpPr>
+        <p:spPr/>
+        <p:txBody>
+          <a:bodyPr/>
+          <a:lstStyle/>
+          <a:p>
+            <a:r>
+              <a:rPr lang="zh-CN" altLang="en-US" dirty="0"/>
+              <a:t> 数组的 </a:t>
+            </a:r>
+            <a:r>
+              <a:rPr lang="en-US" altLang="zh-CN" dirty="0"/>
+              <a:t>length </a:t>
+            </a:r>
+            <a:r>
+              <a:rPr lang="zh-CN" altLang="en-US" dirty="0"/>
+              <a:t>属性</a:t>
+            </a:r>
+            <a:endParaRPr lang="en-US" altLang="zh-CN" dirty="0"/>
+          </a:p>
+          <a:p>
+            <a:pPr lvl="1"/>
+            <a:r>
+              <a:rPr lang="zh-CN" altLang="en-US" sz="2400" dirty="0"/>
+              <a:t> 返回数组长度的整数值</a:t>
+            </a:r>
+            <a:endParaRPr lang="en-US" altLang="zh-CN" sz="2400" dirty="0"/>
+          </a:p>
+          <a:p>
+            <a:pPr lvl="1"/>
+            <a:r>
+              <a:rPr lang="en-US" altLang="zh-CN" sz="2400" dirty="0"/>
+              <a:t> </a:t>
+            </a:r>
+            <a:r>
+              <a:rPr lang="en-US" altLang="zh-CN" sz="2400" dirty="0" err="1"/>
+              <a:t>var</a:t>
+            </a:r>
+            <a:r>
+              <a:rPr lang="en-US" altLang="zh-CN" sz="2400" dirty="0"/>
+              <a:t> </a:t>
+            </a:r>
+            <a:r>
+              <a:rPr lang="en-US" altLang="zh-CN" sz="2400" dirty="0" err="1"/>
+              <a:t>num</a:t>
+            </a:r>
+            <a:r>
+              <a:rPr lang="en-US" altLang="zh-CN" sz="2400" dirty="0"/>
+              <a:t> = arr1.length;</a:t>
+            </a:r>
+            <a:endParaRPr lang="zh-CN" altLang="en-US" sz="2400" dirty="0"/>
+          </a:p>
+        </p:txBody>
+      </p:sp>
+      <p:sp>
+        <p:nvSpPr>
+          <p:cNvPr id="4" name="内容占位符 3"/>
+          <p:cNvSpPr>
+            <a:spLocks noGrp="1"/>
+          </p:cNvSpPr>
+          <p:nvPr>
+            <p:ph sz="quarter" idx="11"/>
+          </p:nvPr>
+        </p:nvSpPr>
+        <p:spPr/>
+        <p:txBody>
+          <a:bodyPr/>
+          <a:lstStyle/>
+          <a:p>
+            <a:r>
+              <a:rPr lang="zh-CN" altLang="en-US" dirty="0"/>
               <a:t>获取数组长度</a:t>
             </a:r>
           </a:p>
@@ -3750,10 +4235,17 @@
   <p:clrMapOvr>
     <a:masterClrMapping/>
   </p:clrMapOvr>
+  <p:timing>
+    <p:tnLst>
+      <p:par>
+        <p:cTn id="1" dur="indefinite" restart="never" nodeType="tmRoot"/>
+      </p:par>
+    </p:tnLst>
+  </p:timing>
 </p:sld>
 </file>
 
-<file path=ppt/slides/slide15.xml><?xml version="1.0" encoding="utf-8"?>
+<file path=ppt/slides/slide16.xml><?xml version="1.0" encoding="utf-8"?>
 <p:sld xmlns:a="http://schemas.openxmlformats.org/drawingml/2006/main" xmlns:r="http://schemas.openxmlformats.org/officeDocument/2006/relationships" xmlns:p="http://schemas.openxmlformats.org/presentationml/2006/main">
   <p:cSld>
     <p:spTree>
@@ -3779,14 +4271,14 @@
           <p:nvPr>
             <p:extLst>
               <p:ext uri="{D42A27DB-BD31-4B8C-83A1-F6EECF244321}">
-                <p14:modId xmlns:p14="http://schemas.microsoft.com/office/powerpoint/2010/main" val="1761190275"/>
+                <p14:modId xmlns:p14="http://schemas.microsoft.com/office/powerpoint/2010/main" val="3091739020"/>
               </p:ext>
             </p:extLst>
           </p:nvPr>
         </p:nvGraphicFramePr>
         <p:xfrm>
           <a:off x="1991543" y="1293506"/>
-          <a:ext cx="8124721" cy="3656114"/>
+          <a:ext cx="8124721" cy="4745520"/>
         </p:xfrm>
         <a:graphic>
           <a:graphicData uri="http://schemas.openxmlformats.org/drawingml/2006/table">
@@ -3798,14 +4290,14 @@
                 <a:gridCol w="2679439">
                   <a:extLst>
                     <a:ext uri="{9D8B030D-6E8A-4147-A177-3AD203B41FA5}">
-                      <a16:colId xmlns:a16="http://schemas.microsoft.com/office/drawing/2014/main" xmlns="" val="20000"/>
+                      <a16:colId xmlns="" xmlns:a16="http://schemas.microsoft.com/office/drawing/2014/main" val="20000"/>
                     </a:ext>
                   </a:extLst>
                 </a:gridCol>
                 <a:gridCol w="5445282">
                   <a:extLst>
                     <a:ext uri="{9D8B030D-6E8A-4147-A177-3AD203B41FA5}">
-                      <a16:colId xmlns:a16="http://schemas.microsoft.com/office/drawing/2014/main" xmlns="" val="20001"/>
+                      <a16:colId xmlns="" xmlns:a16="http://schemas.microsoft.com/office/drawing/2014/main" val="20001"/>
                     </a:ext>
                   </a:extLst>
                 </a:gridCol>
@@ -3851,7 +4343,7 @@
                 </a:tc>
                 <a:extLst>
                   <a:ext uri="{0D108BD9-81ED-4DB2-BD59-A6C34878D82A}">
-                    <a16:rowId xmlns:a16="http://schemas.microsoft.com/office/drawing/2014/main" xmlns="" val="10000"/>
+                    <a16:rowId xmlns="" xmlns:a16="http://schemas.microsoft.com/office/drawing/2014/main" val="10000"/>
                   </a:ext>
                 </a:extLst>
               </a:tr>
@@ -3912,7 +4404,7 @@
                 </a:tc>
                 <a:extLst>
                   <a:ext uri="{0D108BD9-81ED-4DB2-BD59-A6C34878D82A}">
-                    <a16:rowId xmlns:a16="http://schemas.microsoft.com/office/drawing/2014/main" xmlns="" val="10001"/>
+                    <a16:rowId xmlns="" xmlns:a16="http://schemas.microsoft.com/office/drawing/2014/main" val="10001"/>
                   </a:ext>
                 </a:extLst>
               </a:tr>
@@ -3985,7 +4477,7 @@
                 </a:tc>
                 <a:extLst>
                   <a:ext uri="{0D108BD9-81ED-4DB2-BD59-A6C34878D82A}">
-                    <a16:rowId xmlns:a16="http://schemas.microsoft.com/office/drawing/2014/main" xmlns="" val="10002"/>
+                    <a16:rowId xmlns="" xmlns:a16="http://schemas.microsoft.com/office/drawing/2014/main" val="10002"/>
                   </a:ext>
                 </a:extLst>
               </a:tr>
@@ -4055,7 +4547,7 @@
                 </a:tc>
                 <a:extLst>
                   <a:ext uri="{0D108BD9-81ED-4DB2-BD59-A6C34878D82A}">
-                    <a16:rowId xmlns:a16="http://schemas.microsoft.com/office/drawing/2014/main" xmlns="" val="10003"/>
+                    <a16:rowId xmlns="" xmlns:a16="http://schemas.microsoft.com/office/drawing/2014/main" val="10003"/>
                   </a:ext>
                 </a:extLst>
               </a:tr>
@@ -4116,11 +4608,18 @@
                         <a:defRPr/>
                       </a:pPr>
                       <a:r>
+                        <a:rPr lang="zh-CN" altLang="en-US" sz="2400" dirty="0" smtClean="0">
+                          <a:latin typeface="+mn-ea"/>
+                          <a:ea typeface="+mn-ea"/>
+                        </a:rPr>
+                        <a:t>删除</a:t>
+                      </a:r>
+                      <a:r>
                         <a:rPr lang="zh-CN" altLang="en-US" sz="2400" dirty="0">
                           <a:latin typeface="+mn-ea"/>
                           <a:ea typeface="+mn-ea"/>
                         </a:rPr>
-                        <a:t>删除并返回数组的第一个元素 </a:t>
+                        <a:t>并返回数组的第一个元素 </a:t>
                       </a:r>
                     </a:p>
                   </a:txBody>
@@ -4128,7 +4627,541 @@
                 </a:tc>
                 <a:extLst>
                   <a:ext uri="{0D108BD9-81ED-4DB2-BD59-A6C34878D82A}">
-                    <a16:rowId xmlns:a16="http://schemas.microsoft.com/office/drawing/2014/main" xmlns="" val="10004"/>
+                    <a16:rowId xmlns="" xmlns:a16="http://schemas.microsoft.com/office/drawing/2014/main" val="10004"/>
+                  </a:ext>
+                </a:extLst>
+              </a:tr>
+              <a:tr h="576000">
+                <a:tc>
+                  <a:txBody>
+                    <a:bodyPr/>
+                    <a:lstStyle/>
+                    <a:p>
+                      <a:pPr marL="0" marR="0" indent="0" algn="ctr" defTabSz="914400" rtl="0" eaLnBrk="1" fontAlgn="auto" latinLnBrk="0" hangingPunct="1">
+                        <a:lnSpc>
+                          <a:spcPct val="100000"/>
+                        </a:lnSpc>
+                        <a:spcBef>
+                          <a:spcPts val="0"/>
+                        </a:spcBef>
+                        <a:spcAft>
+                          <a:spcPts val="0"/>
+                        </a:spcAft>
+                        <a:buClrTx/>
+                        <a:buSzTx/>
+                        <a:buFontTx/>
+                        <a:buNone/>
+                        <a:tabLst/>
+                        <a:defRPr/>
+                      </a:pPr>
+                      <a:r>
+                        <a:rPr lang="en-US" sz="2400" dirty="0" err="1" smtClean="0">
+                          <a:latin typeface="+mn-ea"/>
+                          <a:ea typeface="+mn-ea"/>
+                        </a:rPr>
+                        <a:t>unshift</a:t>
+                      </a:r>
+                      <a:r>
+                        <a:rPr lang="en-US" sz="2400" dirty="0" smtClean="0">
+                          <a:latin typeface="+mn-ea"/>
+                          <a:ea typeface="+mn-ea"/>
+                        </a:rPr>
+                        <a:t>( )</a:t>
+                      </a:r>
+                      <a:endParaRPr lang="en-US" sz="2400" dirty="0">
+                        <a:latin typeface="+mn-ea"/>
+                        <a:ea typeface="+mn-ea"/>
+                      </a:endParaRPr>
+                    </a:p>
+                  </a:txBody>
+                  <a:tcPr anchor="ctr"/>
+                </a:tc>
+                <a:tc>
+                  <a:txBody>
+                    <a:bodyPr/>
+                    <a:lstStyle/>
+                    <a:p>
+                      <a:pPr marL="0" marR="0" indent="0" algn="ctr" defTabSz="914400" rtl="0" eaLnBrk="1" fontAlgn="auto" latinLnBrk="0" hangingPunct="1">
+                        <a:lnSpc>
+                          <a:spcPts val="3600"/>
+                        </a:lnSpc>
+                        <a:spcBef>
+                          <a:spcPts val="0"/>
+                        </a:spcBef>
+                        <a:spcAft>
+                          <a:spcPts val="600"/>
+                        </a:spcAft>
+                        <a:buClrTx/>
+                        <a:buSzTx/>
+                        <a:buFontTx/>
+                        <a:buNone/>
+                        <a:tabLst/>
+                        <a:defRPr/>
+                      </a:pPr>
+                      <a:r>
+                        <a:rPr lang="zh-CN" altLang="en-US" sz="2400" dirty="0" smtClean="0">
+                          <a:latin typeface="+mn-ea"/>
+                          <a:ea typeface="+mn-ea"/>
+                        </a:rPr>
+                        <a:t>向数组的开头添加一个或更多元素，并返回新的长度</a:t>
+                      </a:r>
+                      <a:endParaRPr lang="zh-CN" altLang="en-US" sz="2400" dirty="0">
+                        <a:latin typeface="+mn-ea"/>
+                        <a:ea typeface="+mn-ea"/>
+                      </a:endParaRPr>
+                    </a:p>
+                  </a:txBody>
+                  <a:tcPr anchor="ctr"/>
+                </a:tc>
+              </a:tr>
+            </a:tbl>
+          </a:graphicData>
+        </a:graphic>
+      </p:graphicFrame>
+      <p:sp>
+        <p:nvSpPr>
+          <p:cNvPr id="4" name="内容占位符 3"/>
+          <p:cNvSpPr>
+            <a:spLocks noGrp="1"/>
+          </p:cNvSpPr>
+          <p:nvPr>
+            <p:ph sz="quarter" idx="11"/>
+          </p:nvPr>
+        </p:nvSpPr>
+        <p:spPr/>
+        <p:txBody>
+          <a:bodyPr/>
+          <a:lstStyle/>
+          <a:p>
+            <a:r>
+              <a:rPr lang="zh-CN" altLang="en-US" dirty="0"/>
+              <a:t>数组操作</a:t>
+            </a:r>
+          </a:p>
+        </p:txBody>
+      </p:sp>
+    </p:spTree>
+  </p:cSld>
+  <p:clrMapOvr>
+    <a:masterClrMapping/>
+  </p:clrMapOvr>
+  <p:timing>
+    <p:tnLst>
+      <p:par>
+        <p:cTn id="1" dur="indefinite" restart="never" nodeType="tmRoot"/>
+      </p:par>
+    </p:tnLst>
+  </p:timing>
+</p:sld>
+</file>
+
+<file path=ppt/slides/slide17.xml><?xml version="1.0" encoding="utf-8"?>
+<p:sld xmlns:a="http://schemas.openxmlformats.org/drawingml/2006/main" xmlns:r="http://schemas.openxmlformats.org/officeDocument/2006/relationships" xmlns:p="http://schemas.openxmlformats.org/presentationml/2006/main">
+  <p:cSld>
+    <p:spTree>
+      <p:nvGrpSpPr>
+        <p:cNvPr id="1" name=""/>
+        <p:cNvGrpSpPr/>
+        <p:nvPr/>
+      </p:nvGrpSpPr>
+      <p:grpSpPr>
+        <a:xfrm>
+          <a:off x="0" y="0"/>
+          <a:ext cx="0" cy="0"/>
+          <a:chOff x="0" y="0"/>
+          <a:chExt cx="0" cy="0"/>
+        </a:xfrm>
+      </p:grpSpPr>
+      <p:graphicFrame>
+        <p:nvGraphicFramePr>
+          <p:cNvPr id="2" name="内容占位符 3"/>
+          <p:cNvGraphicFramePr>
+            <a:graphicFrameLocks/>
+          </p:cNvGraphicFramePr>
+          <p:nvPr>
+            <p:extLst>
+              <p:ext uri="{D42A27DB-BD31-4B8C-83A1-F6EECF244321}">
+                <p14:modId xmlns:p14="http://schemas.microsoft.com/office/powerpoint/2010/main" val="236153921"/>
+              </p:ext>
+            </p:extLst>
+          </p:nvPr>
+        </p:nvGraphicFramePr>
+        <p:xfrm>
+          <a:off x="1991543" y="1293506"/>
+          <a:ext cx="8124721" cy="2880000"/>
+        </p:xfrm>
+        <a:graphic>
+          <a:graphicData uri="http://schemas.openxmlformats.org/drawingml/2006/table">
+            <a:tbl>
+              <a:tblPr firstRow="1" bandRow="1">
+                <a:tableStyleId>{5C22544A-7EE6-4342-B048-85BDC9FD1C3A}</a:tableStyleId>
+              </a:tblPr>
+              <a:tblGrid>
+                <a:gridCol w="2679439">
+                  <a:extLst>
+                    <a:ext uri="{9D8B030D-6E8A-4147-A177-3AD203B41FA5}">
+                      <a16:colId xmlns="" xmlns:a16="http://schemas.microsoft.com/office/drawing/2014/main" val="20000"/>
+                    </a:ext>
+                  </a:extLst>
+                </a:gridCol>
+                <a:gridCol w="5445282">
+                  <a:extLst>
+                    <a:ext uri="{9D8B030D-6E8A-4147-A177-3AD203B41FA5}">
+                      <a16:colId xmlns="" xmlns:a16="http://schemas.microsoft.com/office/drawing/2014/main" val="20001"/>
+                    </a:ext>
+                  </a:extLst>
+                </a:gridCol>
+              </a:tblGrid>
+              <a:tr h="576000">
+                <a:tc>
+                  <a:txBody>
+                    <a:bodyPr/>
+                    <a:lstStyle/>
+                    <a:p>
+                      <a:pPr algn="ctr"/>
+                      <a:r>
+                        <a:rPr lang="zh-CN" altLang="en-US" sz="2400" dirty="0"/>
+                        <a:t>方法</a:t>
+                      </a:r>
+                      <a:endParaRPr lang="zh-CN" altLang="en-US" sz="2400" dirty="0">
+                        <a:solidFill>
+                          <a:schemeClr val="tx1"/>
+                        </a:solidFill>
+                      </a:endParaRPr>
+                    </a:p>
+                  </a:txBody>
+                  <a:tcPr anchor="ctr"/>
+                </a:tc>
+                <a:tc>
+                  <a:txBody>
+                    <a:bodyPr/>
+                    <a:lstStyle/>
+                    <a:p>
+                      <a:pPr algn="ctr"/>
+                      <a:r>
+                        <a:rPr lang="zh-CN" altLang="en-US" sz="2400" dirty="0"/>
+                        <a:t>作用</a:t>
+                      </a:r>
+                      <a:endParaRPr lang="zh-CN" altLang="en-US" sz="2400" dirty="0">
+                        <a:solidFill>
+                          <a:schemeClr val="tx1"/>
+                        </a:solidFill>
+                      </a:endParaRPr>
+                    </a:p>
+                  </a:txBody>
+                  <a:tcPr anchor="ctr"/>
+                </a:tc>
+                <a:extLst>
+                  <a:ext uri="{0D108BD9-81ED-4DB2-BD59-A6C34878D82A}">
+                    <a16:rowId xmlns="" xmlns:a16="http://schemas.microsoft.com/office/drawing/2014/main" val="10000"/>
+                  </a:ext>
+                </a:extLst>
+              </a:tr>
+              <a:tr h="576000">
+                <a:tc>
+                  <a:txBody>
+                    <a:bodyPr/>
+                    <a:lstStyle/>
+                    <a:p>
+                      <a:pPr algn="ctr"/>
+                      <a:r>
+                        <a:rPr lang="en-US" altLang="zh-CN" sz="2400" dirty="0" err="1" smtClean="0">
+                          <a:latin typeface="+mn-ea"/>
+                          <a:ea typeface="+mn-ea"/>
+                        </a:rPr>
+                        <a:t>concat</a:t>
+                      </a:r>
+                      <a:r>
+                        <a:rPr lang="en-US" altLang="zh-CN" sz="2400" dirty="0" smtClean="0">
+                          <a:latin typeface="+mn-ea"/>
+                          <a:ea typeface="+mn-ea"/>
+                        </a:rPr>
+                        <a:t>( )</a:t>
+                      </a:r>
+                      <a:endParaRPr lang="zh-CN" altLang="en-US" sz="2400" dirty="0">
+                        <a:latin typeface="+mn-ea"/>
+                        <a:ea typeface="+mn-ea"/>
+                      </a:endParaRPr>
+                    </a:p>
+                  </a:txBody>
+                  <a:tcPr anchor="ctr"/>
+                </a:tc>
+                <a:tc>
+                  <a:txBody>
+                    <a:bodyPr/>
+                    <a:lstStyle/>
+                    <a:p>
+                      <a:pPr marL="0" marR="0" indent="0" algn="ctr" defTabSz="914400" rtl="0" eaLnBrk="1" fontAlgn="auto" latinLnBrk="0" hangingPunct="1">
+                        <a:lnSpc>
+                          <a:spcPts val="3600"/>
+                        </a:lnSpc>
+                        <a:spcBef>
+                          <a:spcPts val="0"/>
+                        </a:spcBef>
+                        <a:spcAft>
+                          <a:spcPts val="600"/>
+                        </a:spcAft>
+                        <a:buClrTx/>
+                        <a:buSzTx/>
+                        <a:buFontTx/>
+                        <a:buNone/>
+                        <a:tabLst/>
+                        <a:defRPr/>
+                      </a:pPr>
+                      <a:r>
+                        <a:rPr lang="zh-CN" altLang="en-US" sz="2400" dirty="0" smtClean="0">
+                          <a:latin typeface="+mn-ea"/>
+                          <a:ea typeface="+mn-ea"/>
+                        </a:rPr>
+                        <a:t>连接两个或更多的数组，并返回结果。</a:t>
+                      </a:r>
+                      <a:endParaRPr lang="zh-CN" altLang="en-US" sz="2400" dirty="0">
+                        <a:latin typeface="+mn-ea"/>
+                        <a:ea typeface="+mn-ea"/>
+                      </a:endParaRPr>
+                    </a:p>
+                  </a:txBody>
+                  <a:tcPr anchor="ctr"/>
+                </a:tc>
+                <a:extLst>
+                  <a:ext uri="{0D108BD9-81ED-4DB2-BD59-A6C34878D82A}">
+                    <a16:rowId xmlns="" xmlns:a16="http://schemas.microsoft.com/office/drawing/2014/main" val="10001"/>
+                  </a:ext>
+                </a:extLst>
+              </a:tr>
+              <a:tr h="576000">
+                <a:tc>
+                  <a:txBody>
+                    <a:bodyPr/>
+                    <a:lstStyle/>
+                    <a:p>
+                      <a:pPr marL="0" marR="0" indent="0" algn="ctr" defTabSz="914400" rtl="0" eaLnBrk="1" fontAlgn="auto" latinLnBrk="0" hangingPunct="1">
+                        <a:lnSpc>
+                          <a:spcPct val="100000"/>
+                        </a:lnSpc>
+                        <a:spcBef>
+                          <a:spcPts val="0"/>
+                        </a:spcBef>
+                        <a:spcAft>
+                          <a:spcPts val="0"/>
+                        </a:spcAft>
+                        <a:buClrTx/>
+                        <a:buSzTx/>
+                        <a:buFontTx/>
+                        <a:buNone/>
+                        <a:tabLst/>
+                        <a:defRPr/>
+                      </a:pPr>
+                      <a:r>
+                        <a:rPr lang="en-US" sz="2400" dirty="0" smtClean="0">
+                          <a:latin typeface="+mn-ea"/>
+                          <a:ea typeface="+mn-ea"/>
+                        </a:rPr>
+                        <a:t>reverse( </a:t>
+                      </a:r>
+                      <a:r>
+                        <a:rPr lang="en-US" sz="2400" dirty="0">
+                          <a:latin typeface="+mn-ea"/>
+                          <a:ea typeface="+mn-ea"/>
+                        </a:rPr>
+                        <a:t>) </a:t>
+                      </a:r>
+                    </a:p>
+                  </a:txBody>
+                  <a:tcPr anchor="ctr"/>
+                </a:tc>
+                <a:tc>
+                  <a:txBody>
+                    <a:bodyPr/>
+                    <a:lstStyle/>
+                    <a:p>
+                      <a:pPr marL="0" marR="0" indent="0" algn="ctr" defTabSz="914400" rtl="0" eaLnBrk="1" fontAlgn="auto" latinLnBrk="0" hangingPunct="1">
+                        <a:lnSpc>
+                          <a:spcPts val="3600"/>
+                        </a:lnSpc>
+                        <a:spcBef>
+                          <a:spcPts val="0"/>
+                        </a:spcBef>
+                        <a:spcAft>
+                          <a:spcPts val="600"/>
+                        </a:spcAft>
+                        <a:buClrTx/>
+                        <a:buSzTx/>
+                        <a:buFontTx/>
+                        <a:buNone/>
+                        <a:tabLst/>
+                        <a:defRPr/>
+                      </a:pPr>
+                      <a:r>
+                        <a:rPr lang="zh-CN" altLang="en-US" sz="2400" dirty="0" smtClean="0">
+                          <a:latin typeface="+mn-ea"/>
+                          <a:ea typeface="+mn-ea"/>
+                        </a:rPr>
+                        <a:t>颠倒数组中元素的顺序</a:t>
+                      </a:r>
+                      <a:endParaRPr lang="zh-CN" altLang="en-US" sz="2400" dirty="0">
+                        <a:latin typeface="+mn-ea"/>
+                        <a:ea typeface="+mn-ea"/>
+                      </a:endParaRPr>
+                    </a:p>
+                  </a:txBody>
+                  <a:tcPr anchor="ctr"/>
+                </a:tc>
+                <a:extLst>
+                  <a:ext uri="{0D108BD9-81ED-4DB2-BD59-A6C34878D82A}">
+                    <a16:rowId xmlns="" xmlns:a16="http://schemas.microsoft.com/office/drawing/2014/main" val="10002"/>
+                  </a:ext>
+                </a:extLst>
+              </a:tr>
+              <a:tr h="576000">
+                <a:tc>
+                  <a:txBody>
+                    <a:bodyPr/>
+                    <a:lstStyle/>
+                    <a:p>
+                      <a:pPr algn="ctr"/>
+                      <a:r>
+                        <a:rPr lang="en-US" sz="2400" dirty="0" smtClean="0">
+                          <a:latin typeface="+mn-ea"/>
+                          <a:ea typeface="+mn-ea"/>
+                        </a:rPr>
+                        <a:t>slice( </a:t>
+                      </a:r>
+                      <a:r>
+                        <a:rPr lang="en-US" sz="2400" dirty="0">
+                          <a:latin typeface="+mn-ea"/>
+                          <a:ea typeface="+mn-ea"/>
+                        </a:rPr>
+                        <a:t>) </a:t>
+                      </a:r>
+                    </a:p>
+                  </a:txBody>
+                  <a:tcPr anchor="ctr"/>
+                </a:tc>
+                <a:tc>
+                  <a:txBody>
+                    <a:bodyPr/>
+                    <a:lstStyle/>
+                    <a:p>
+                      <a:pPr marL="0" marR="0" indent="0" algn="ctr" defTabSz="914400" rtl="0" eaLnBrk="1" fontAlgn="auto" latinLnBrk="0" hangingPunct="1">
+                        <a:lnSpc>
+                          <a:spcPts val="3600"/>
+                        </a:lnSpc>
+                        <a:spcBef>
+                          <a:spcPts val="0"/>
+                        </a:spcBef>
+                        <a:spcAft>
+                          <a:spcPts val="600"/>
+                        </a:spcAft>
+                        <a:buClrTx/>
+                        <a:buSzTx/>
+                        <a:buFontTx/>
+                        <a:buNone/>
+                        <a:tabLst/>
+                        <a:defRPr/>
+                      </a:pPr>
+                      <a:r>
+                        <a:rPr lang="zh-CN" altLang="en-US" sz="2400" dirty="0" smtClean="0">
+                          <a:latin typeface="+mn-ea"/>
+                          <a:ea typeface="+mn-ea"/>
+                        </a:rPr>
+                        <a:t>从某个已有的数组返回选定的元素</a:t>
+                      </a:r>
+                      <a:endParaRPr lang="zh-CN" altLang="en-US" sz="2400" dirty="0">
+                        <a:latin typeface="+mn-ea"/>
+                        <a:ea typeface="+mn-ea"/>
+                      </a:endParaRPr>
+                    </a:p>
+                  </a:txBody>
+                  <a:tcPr anchor="ctr"/>
+                </a:tc>
+                <a:extLst>
+                  <a:ext uri="{0D108BD9-81ED-4DB2-BD59-A6C34878D82A}">
+                    <a16:rowId xmlns="" xmlns:a16="http://schemas.microsoft.com/office/drawing/2014/main" val="10003"/>
+                  </a:ext>
+                </a:extLst>
+              </a:tr>
+              <a:tr h="576000">
+                <a:tc>
+                  <a:txBody>
+                    <a:bodyPr/>
+                    <a:lstStyle/>
+                    <a:p>
+                      <a:pPr marL="0" marR="0" indent="0" algn="ctr" defTabSz="914400" rtl="0" eaLnBrk="1" fontAlgn="auto" latinLnBrk="0" hangingPunct="1">
+                        <a:lnSpc>
+                          <a:spcPct val="100000"/>
+                        </a:lnSpc>
+                        <a:spcBef>
+                          <a:spcPts val="0"/>
+                        </a:spcBef>
+                        <a:spcAft>
+                          <a:spcPts val="0"/>
+                        </a:spcAft>
+                        <a:buClrTx/>
+                        <a:buSzTx/>
+                        <a:buFontTx/>
+                        <a:buNone/>
+                        <a:tabLst/>
+                        <a:defRPr/>
+                      </a:pPr>
+                      <a:r>
+                        <a:rPr lang="en-US" sz="2400" dirty="0" smtClean="0">
+                          <a:latin typeface="+mn-ea"/>
+                          <a:ea typeface="+mn-ea"/>
+                        </a:rPr>
+                        <a:t>splice( </a:t>
+                      </a:r>
+                      <a:r>
+                        <a:rPr lang="en-US" sz="2400" dirty="0">
+                          <a:latin typeface="+mn-ea"/>
+                          <a:ea typeface="+mn-ea"/>
+                        </a:rPr>
+                        <a:t>) </a:t>
+                      </a:r>
+                    </a:p>
+                  </a:txBody>
+                  <a:tcPr anchor="ctr"/>
+                </a:tc>
+                <a:tc>
+                  <a:txBody>
+                    <a:bodyPr/>
+                    <a:lstStyle/>
+                    <a:p>
+                      <a:pPr marL="0" marR="0" indent="0" algn="ctr" defTabSz="914400" rtl="0" eaLnBrk="1" fontAlgn="auto" latinLnBrk="0" hangingPunct="1">
+                        <a:lnSpc>
+                          <a:spcPts val="3600"/>
+                        </a:lnSpc>
+                        <a:spcBef>
+                          <a:spcPts val="0"/>
+                        </a:spcBef>
+                        <a:spcAft>
+                          <a:spcPts val="600"/>
+                        </a:spcAft>
+                        <a:buClrTx/>
+                        <a:buSzTx/>
+                        <a:buFontTx/>
+                        <a:buNone/>
+                        <a:tabLst/>
+                        <a:defRPr/>
+                      </a:pPr>
+                      <a:r>
+                        <a:rPr lang="zh-CN" altLang="en-US" sz="2400" dirty="0" smtClean="0">
+                          <a:latin typeface="+mn-ea"/>
+                          <a:ea typeface="+mn-ea"/>
+                        </a:rPr>
+                        <a:t>删除元素，并向数组添加新元素 </a:t>
+                      </a:r>
+                      <a:endParaRPr lang="zh-CN" altLang="en-US" sz="2400" dirty="0">
+                        <a:latin typeface="+mn-ea"/>
+                        <a:ea typeface="+mn-ea"/>
+                      </a:endParaRPr>
+                    </a:p>
+                  </a:txBody>
+                  <a:tcPr anchor="ctr"/>
+                </a:tc>
+                <a:extLst>
+                  <a:ext uri="{0D108BD9-81ED-4DB2-BD59-A6C34878D82A}">
+                    <a16:rowId xmlns="" xmlns:a16="http://schemas.microsoft.com/office/drawing/2014/main" val="10004"/>
                   </a:ext>
                 </a:extLst>
               </a:tr>
@@ -4155,50 +5188,6 @@
               <a:rPr lang="zh-CN" altLang="en-US" dirty="0"/>
               <a:t>数组操作</a:t>
             </a:r>
-          </a:p>
-        </p:txBody>
-      </p:sp>
-      <p:sp>
-        <p:nvSpPr>
-          <p:cNvPr id="5" name="TextBox 4"/>
-          <p:cNvSpPr txBox="1">
-            <a:spLocks noChangeArrowheads="1"/>
-          </p:cNvSpPr>
-          <p:nvPr/>
-        </p:nvSpPr>
-        <p:spPr bwMode="auto">
-          <a:xfrm>
-            <a:off x="1815274" y="5252575"/>
-            <a:ext cx="8477257" cy="461665"/>
-          </a:xfrm>
-          <a:prstGeom prst="rect">
-            <a:avLst/>
-          </a:prstGeom>
-          <a:noFill/>
-          <a:ln w="9525">
-            <a:noFill/>
-            <a:miter lim="800000"/>
-            <a:headEnd/>
-            <a:tailEnd/>
-          </a:ln>
-        </p:spPr>
-        <p:txBody>
-          <a:bodyPr wrap="none">
-            <a:spAutoFit/>
-          </a:bodyPr>
-          <a:lstStyle/>
-          <a:p>
-            <a:r>
-              <a:rPr lang="zh-CN" altLang="en-US" sz="2400" dirty="0"/>
-              <a:t>更多参考：</a:t>
-            </a:r>
-            <a:r>
-              <a:rPr lang="en-US" altLang="zh-CN" sz="2400" dirty="0">
-                <a:hlinkClick r:id="rId2"/>
-              </a:rPr>
-              <a:t>http://www.w3school.com.cn/js/jsref_obj_array.asp</a:t>
-            </a:r>
-            <a:endParaRPr lang="zh-CN" altLang="en-US" sz="2400" dirty="0"/>
           </a:p>
         </p:txBody>
       </p:sp>
@@ -4242,15 +5231,71 @@
           </a:p>
         </p:txBody>
       </p:sp>
+      <p:sp>
+        <p:nvSpPr>
+          <p:cNvPr id="7" name="TextBox 6"/>
+          <p:cNvSpPr txBox="1">
+            <a:spLocks noChangeArrowheads="1"/>
+          </p:cNvSpPr>
+          <p:nvPr/>
+        </p:nvSpPr>
+        <p:spPr bwMode="auto">
+          <a:xfrm>
+            <a:off x="1815274" y="5271591"/>
+            <a:ext cx="9609318" cy="461665"/>
+          </a:xfrm>
+          <a:prstGeom prst="rect">
+            <a:avLst/>
+          </a:prstGeom>
+          <a:noFill/>
+          <a:ln w="9525">
+            <a:noFill/>
+            <a:miter lim="800000"/>
+            <a:headEnd/>
+            <a:tailEnd/>
+          </a:ln>
+        </p:spPr>
+        <p:txBody>
+          <a:bodyPr wrap="square">
+            <a:spAutoFit/>
+          </a:bodyPr>
+          <a:lstStyle/>
+          <a:p>
+            <a:r>
+              <a:rPr lang="zh-CN" altLang="en-US" sz="2400" dirty="0"/>
+              <a:t>更多参考：</a:t>
+            </a:r>
+            <a:r>
+              <a:rPr lang="en-US" altLang="zh-CN" sz="2400" dirty="0">
+                <a:hlinkClick r:id="rId2"/>
+              </a:rPr>
+              <a:t>http://www.w3school.com.cn/js/jsref_obj_array.asp</a:t>
+            </a:r>
+            <a:endParaRPr lang="zh-CN" altLang="en-US" sz="2400" dirty="0"/>
+          </a:p>
+        </p:txBody>
+      </p:sp>
     </p:spTree>
+    <p:extLst>
+      <p:ext uri="{BB962C8B-B14F-4D97-AF65-F5344CB8AC3E}">
+        <p14:creationId xmlns:p14="http://schemas.microsoft.com/office/powerpoint/2010/main" val="2293897212"/>
+      </p:ext>
+    </p:extLst>
   </p:cSld>
   <p:clrMapOvr>
     <a:masterClrMapping/>
   </p:clrMapOvr>
+  <p:timing>
+    <p:tnLst>
+      <p:par>
+        <p:cTn id="1" dur="indefinite" restart="never" nodeType="tmRoot"/>
+      </p:par>
+    </p:tnLst>
+  </p:timing>
 </p:sld>
 </file>
 
-<file path=ppt/slides/slide16.xml><?xml version="1.0" encoding="utf-8"?>
+<file path=ppt/slides/slide18.xml><?xml version="1.0" encoding="utf-8"?>
 <p:sld xmlns:a="http://schemas.openxmlformats.org/drawingml/2006/main" xmlns:r="http://schemas.openxmlformats.org/officeDocument/2006/relationships" xmlns:p="http://schemas.openxmlformats.org/presentationml/2006/main">
   <p:cSld>
     <p:spTree>
@@ -4340,12 +5385,16 @@
           <a:lstStyle/>
           <a:p>
             <a:r>
-              <a:rPr lang="en-US" altLang="zh-CN"/>
-              <a:t>JS</a:t>
-            </a:r>
-            <a:r>
-              <a:rPr lang="zh-CN" altLang="en-US"/>
-              <a:t>中数组的特性</a:t>
+              <a:rPr lang="en-US" altLang="zh-CN" dirty="0" smtClean="0"/>
+              <a:t>JavaScript </a:t>
+            </a:r>
+            <a:r>
+              <a:rPr lang="zh-CN" altLang="en-US" dirty="0" smtClean="0"/>
+              <a:t>中</a:t>
+            </a:r>
+            <a:r>
+              <a:rPr lang="zh-CN" altLang="en-US" dirty="0"/>
+              <a:t>数组的特性</a:t>
             </a:r>
           </a:p>
         </p:txBody>
@@ -4594,10 +5643,17 @@
   <p:clrMapOvr>
     <a:masterClrMapping/>
   </p:clrMapOvr>
+  <p:timing>
+    <p:tnLst>
+      <p:par>
+        <p:cTn id="1" dur="indefinite" restart="never" nodeType="tmRoot"/>
+      </p:par>
+    </p:tnLst>
+  </p:timing>
 </p:sld>
 </file>
 
-<file path=ppt/slides/slide17.xml><?xml version="1.0" encoding="utf-8"?>
+<file path=ppt/slides/slide19.xml><?xml version="1.0" encoding="utf-8"?>
 <p:sld xmlns:a="http://schemas.openxmlformats.org/drawingml/2006/main" xmlns:r="http://schemas.openxmlformats.org/officeDocument/2006/relationships" xmlns:p="http://schemas.openxmlformats.org/presentationml/2006/main">
   <p:cSld>
     <p:spTree>
@@ -4737,716 +5793,12 @@
   <p:clrMapOvr>
     <a:masterClrMapping/>
   </p:clrMapOvr>
-</p:sld>
-</file>
-
-<file path=ppt/slides/slide18.xml><?xml version="1.0" encoding="utf-8"?>
-<p:sld xmlns:a="http://schemas.openxmlformats.org/drawingml/2006/main" xmlns:r="http://schemas.openxmlformats.org/officeDocument/2006/relationships" xmlns:p="http://schemas.openxmlformats.org/presentationml/2006/main">
-  <p:cSld>
-    <p:spTree>
-      <p:nvGrpSpPr>
-        <p:cNvPr id="1" name=""/>
-        <p:cNvGrpSpPr/>
-        <p:nvPr/>
-      </p:nvGrpSpPr>
-      <p:grpSpPr>
-        <a:xfrm>
-          <a:off x="0" y="0"/>
-          <a:ext cx="0" cy="0"/>
-          <a:chOff x="0" y="0"/>
-          <a:chExt cx="0" cy="0"/>
-        </a:xfrm>
-      </p:grpSpPr>
-      <p:sp>
-        <p:nvSpPr>
-          <p:cNvPr id="5122" name="TextBox 8"/>
-          <p:cNvSpPr txBox="1">
-            <a:spLocks noChangeArrowheads="1"/>
-          </p:cNvSpPr>
-          <p:nvPr/>
-        </p:nvSpPr>
-        <p:spPr bwMode="auto">
-          <a:xfrm>
-            <a:off x="2281238" y="228600"/>
-            <a:ext cx="1827212" cy="584200"/>
-          </a:xfrm>
-          <a:prstGeom prst="rect">
-            <a:avLst/>
-          </a:prstGeom>
-          <a:noFill/>
-          <a:ln>
-            <a:noFill/>
-          </a:ln>
-          <a:extLst>
-            <a:ext uri="{909E8E84-426E-40DD-AFC4-6F175D3DCCD1}">
-              <a14:hiddenFill xmlns:a14="http://schemas.microsoft.com/office/drawing/2010/main">
-                <a:solidFill>
-                  <a:srgbClr val="FFFFFF"/>
-                </a:solidFill>
-              </a14:hiddenFill>
-            </a:ext>
-            <a:ext uri="{91240B29-F687-4F45-9708-019B960494DF}">
-              <a14:hiddenLine xmlns:a14="http://schemas.microsoft.com/office/drawing/2010/main" w="9525">
-                <a:solidFill>
-                  <a:srgbClr val="000000"/>
-                </a:solidFill>
-                <a:miter lim="800000"/>
-                <a:headEnd/>
-                <a:tailEnd/>
-              </a14:hiddenLine>
-            </a:ext>
-          </a:extLst>
-        </p:spPr>
-        <p:txBody>
-          <a:bodyPr wrap="none">
-            <a:spAutoFit/>
-          </a:bodyPr>
-          <a:lstStyle>
-            <a:lvl1pPr marL="166688" indent="-166688" defTabSz="0" eaLnBrk="0" hangingPunct="0">
-              <a:defRPr sz="3200">
-                <a:solidFill>
-                  <a:schemeClr val="tx1"/>
-                </a:solidFill>
-                <a:latin typeface="Arial" charset="0"/>
-                <a:ea typeface="微软雅黑" pitchFamily="34" charset="-122"/>
-              </a:defRPr>
-            </a:lvl1pPr>
-            <a:lvl2pPr marL="742950" indent="-285750" defTabSz="0" eaLnBrk="0" hangingPunct="0">
-              <a:defRPr sz="3200">
-                <a:solidFill>
-                  <a:schemeClr val="tx1"/>
-                </a:solidFill>
-                <a:latin typeface="Arial" charset="0"/>
-                <a:ea typeface="微软雅黑" pitchFamily="34" charset="-122"/>
-              </a:defRPr>
-            </a:lvl2pPr>
-            <a:lvl3pPr marL="1143000" indent="-228600" defTabSz="0" eaLnBrk="0" hangingPunct="0">
-              <a:defRPr sz="3200">
-                <a:solidFill>
-                  <a:schemeClr val="tx1"/>
-                </a:solidFill>
-                <a:latin typeface="Arial" charset="0"/>
-                <a:ea typeface="微软雅黑" pitchFamily="34" charset="-122"/>
-              </a:defRPr>
-            </a:lvl3pPr>
-            <a:lvl4pPr marL="1600200" indent="-228600" defTabSz="0" eaLnBrk="0" hangingPunct="0">
-              <a:defRPr sz="3200">
-                <a:solidFill>
-                  <a:schemeClr val="tx1"/>
-                </a:solidFill>
-                <a:latin typeface="Arial" charset="0"/>
-                <a:ea typeface="微软雅黑" pitchFamily="34" charset="-122"/>
-              </a:defRPr>
-            </a:lvl4pPr>
-            <a:lvl5pPr marL="2057400" indent="-228600" defTabSz="0" eaLnBrk="0" hangingPunct="0">
-              <a:defRPr sz="3200">
-                <a:solidFill>
-                  <a:schemeClr val="tx1"/>
-                </a:solidFill>
-                <a:latin typeface="Arial" charset="0"/>
-                <a:ea typeface="微软雅黑" pitchFamily="34" charset="-122"/>
-              </a:defRPr>
-            </a:lvl5pPr>
-            <a:lvl6pPr marL="2514600" indent="-228600" defTabSz="0" eaLnBrk="0" fontAlgn="base" hangingPunct="0">
-              <a:spcBef>
-                <a:spcPct val="0"/>
-              </a:spcBef>
-              <a:spcAft>
-                <a:spcPct val="0"/>
-              </a:spcAft>
-              <a:defRPr sz="3200">
-                <a:solidFill>
-                  <a:schemeClr val="tx1"/>
-                </a:solidFill>
-                <a:latin typeface="Arial" charset="0"/>
-                <a:ea typeface="微软雅黑" pitchFamily="34" charset="-122"/>
-              </a:defRPr>
-            </a:lvl6pPr>
-            <a:lvl7pPr marL="2971800" indent="-228600" defTabSz="0" eaLnBrk="0" fontAlgn="base" hangingPunct="0">
-              <a:spcBef>
-                <a:spcPct val="0"/>
-              </a:spcBef>
-              <a:spcAft>
-                <a:spcPct val="0"/>
-              </a:spcAft>
-              <a:defRPr sz="3200">
-                <a:solidFill>
-                  <a:schemeClr val="tx1"/>
-                </a:solidFill>
-                <a:latin typeface="Arial" charset="0"/>
-                <a:ea typeface="微软雅黑" pitchFamily="34" charset="-122"/>
-              </a:defRPr>
-            </a:lvl7pPr>
-            <a:lvl8pPr marL="3429000" indent="-228600" defTabSz="0" eaLnBrk="0" fontAlgn="base" hangingPunct="0">
-              <a:spcBef>
-                <a:spcPct val="0"/>
-              </a:spcBef>
-              <a:spcAft>
-                <a:spcPct val="0"/>
-              </a:spcAft>
-              <a:defRPr sz="3200">
-                <a:solidFill>
-                  <a:schemeClr val="tx1"/>
-                </a:solidFill>
-                <a:latin typeface="Arial" charset="0"/>
-                <a:ea typeface="微软雅黑" pitchFamily="34" charset="-122"/>
-              </a:defRPr>
-            </a:lvl8pPr>
-            <a:lvl9pPr marL="3886200" indent="-228600" defTabSz="0" eaLnBrk="0" fontAlgn="base" hangingPunct="0">
-              <a:spcBef>
-                <a:spcPct val="0"/>
-              </a:spcBef>
-              <a:spcAft>
-                <a:spcPct val="0"/>
-              </a:spcAft>
-              <a:defRPr sz="3200">
-                <a:solidFill>
-                  <a:schemeClr val="tx1"/>
-                </a:solidFill>
-                <a:latin typeface="Arial" charset="0"/>
-                <a:ea typeface="微软雅黑" pitchFamily="34" charset="-122"/>
-              </a:defRPr>
-            </a:lvl9pPr>
-          </a:lstStyle>
-          <a:p>
-            <a:pPr>
-              <a:spcAft>
-                <a:spcPct val="15000"/>
-              </a:spcAft>
-              <a:buClr>
-                <a:schemeClr val="tx2"/>
-              </a:buClr>
-            </a:pPr>
-            <a:r>
-              <a:rPr lang="zh-CN" altLang="en-US">
-                <a:solidFill>
-                  <a:srgbClr val="C00000"/>
-                </a:solidFill>
-                <a:latin typeface="微软雅黑" pitchFamily="34" charset="-122"/>
-              </a:rPr>
-              <a:t>内容提纲</a:t>
-            </a:r>
-          </a:p>
-        </p:txBody>
-      </p:sp>
-      <p:sp>
-        <p:nvSpPr>
-          <p:cNvPr id="5123" name="AutoShape 6"/>
-          <p:cNvSpPr>
-            <a:spLocks noChangeArrowheads="1"/>
-          </p:cNvSpPr>
-          <p:nvPr/>
-        </p:nvSpPr>
-        <p:spPr bwMode="auto">
-          <a:xfrm>
-            <a:off x="2881313" y="1500188"/>
-            <a:ext cx="6711950" cy="4214812"/>
-          </a:xfrm>
-          <a:prstGeom prst="roundRect">
-            <a:avLst>
-              <a:gd name="adj" fmla="val 16667"/>
-            </a:avLst>
-          </a:prstGeom>
-          <a:noFill/>
-          <a:ln w="28575">
-            <a:solidFill>
-              <a:srgbClr val="C0C0C0"/>
-            </a:solidFill>
-            <a:prstDash val="sysDot"/>
-            <a:round/>
-            <a:headEnd/>
-            <a:tailEnd/>
-          </a:ln>
-          <a:extLst>
-            <a:ext uri="{909E8E84-426E-40DD-AFC4-6F175D3DCCD1}">
-              <a14:hiddenFill xmlns:a14="http://schemas.microsoft.com/office/drawing/2010/main">
-                <a:solidFill>
-                  <a:srgbClr val="FFFFFF"/>
-                </a:solidFill>
-              </a14:hiddenFill>
-            </a:ext>
-          </a:extLst>
-        </p:spPr>
-        <p:txBody>
-          <a:bodyPr wrap="none" anchor="ctr"/>
-          <a:lstStyle/>
-          <a:p>
-            <a:pPr marL="457200" indent="-457200" eaLnBrk="0" hangingPunct="0">
-              <a:lnSpc>
-                <a:spcPct val="150000"/>
-              </a:lnSpc>
-              <a:spcBef>
-                <a:spcPts val="1200"/>
-              </a:spcBef>
-              <a:spcAft>
-                <a:spcPts val="1200"/>
-              </a:spcAft>
-              <a:buClr>
-                <a:srgbClr val="92D050"/>
-              </a:buClr>
-              <a:buFont typeface="Wingdings" pitchFamily="2" charset="2"/>
-              <a:buChar char="Ø"/>
-            </a:pPr>
-            <a:r>
-              <a:rPr lang="zh-CN" altLang="en-US" sz="2800" b="1" dirty="0"/>
-              <a:t>使用字符串表示单个数据</a:t>
-            </a:r>
-          </a:p>
-          <a:p>
-            <a:pPr marL="457200" indent="-457200" eaLnBrk="0" hangingPunct="0">
-              <a:lnSpc>
-                <a:spcPct val="150000"/>
-              </a:lnSpc>
-              <a:spcBef>
-                <a:spcPts val="1200"/>
-              </a:spcBef>
-              <a:spcAft>
-                <a:spcPts val="1200"/>
-              </a:spcAft>
-              <a:buClr>
-                <a:srgbClr val="92D050"/>
-              </a:buClr>
-              <a:buFont typeface="Wingdings" pitchFamily="2" charset="2"/>
-              <a:buChar char="Ø"/>
-            </a:pPr>
-            <a:r>
-              <a:rPr lang="zh-CN" altLang="en-US" sz="2800" b="1" dirty="0"/>
-              <a:t>使用数组表示多个数据</a:t>
-            </a:r>
-          </a:p>
-          <a:p>
-            <a:pPr marL="457200" indent="-457200" eaLnBrk="0" hangingPunct="0">
-              <a:lnSpc>
-                <a:spcPct val="150000"/>
-              </a:lnSpc>
-              <a:spcBef>
-                <a:spcPts val="1200"/>
-              </a:spcBef>
-              <a:spcAft>
-                <a:spcPts val="1200"/>
-              </a:spcAft>
-              <a:buClr>
-                <a:srgbClr val="92D050"/>
-              </a:buClr>
-              <a:buFont typeface="Wingdings" pitchFamily="2" charset="2"/>
-              <a:buChar char="Ø"/>
-            </a:pPr>
-            <a:r>
-              <a:rPr lang="zh-CN" altLang="en-US" sz="2800" b="1" dirty="0">
-                <a:solidFill>
-                  <a:srgbClr val="FF0000"/>
-                </a:solidFill>
-              </a:rPr>
-              <a:t>遍历数组把数据写入表格</a:t>
-            </a:r>
-            <a:endParaRPr lang="en-US" altLang="zh-CN" sz="2800" b="1" dirty="0">
-              <a:solidFill>
-                <a:srgbClr val="FF0000"/>
-              </a:solidFill>
-            </a:endParaRPr>
-          </a:p>
-        </p:txBody>
-      </p:sp>
-    </p:spTree>
-    <p:extLst>
-      <p:ext uri="{BB962C8B-B14F-4D97-AF65-F5344CB8AC3E}">
-        <p14:creationId xmlns:p14="http://schemas.microsoft.com/office/powerpoint/2010/main" val="1581047109"/>
-      </p:ext>
-    </p:extLst>
-  </p:cSld>
-  <p:clrMapOvr>
-    <a:masterClrMapping/>
-  </p:clrMapOvr>
-</p:sld>
-</file>
-
-<file path=ppt/slides/slide19.xml><?xml version="1.0" encoding="utf-8"?>
-<p:sld xmlns:a="http://schemas.openxmlformats.org/drawingml/2006/main" xmlns:r="http://schemas.openxmlformats.org/officeDocument/2006/relationships" xmlns:p="http://schemas.openxmlformats.org/presentationml/2006/main">
-  <p:cSld>
-    <p:spTree>
-      <p:nvGrpSpPr>
-        <p:cNvPr id="1" name=""/>
-        <p:cNvGrpSpPr/>
-        <p:nvPr/>
-      </p:nvGrpSpPr>
-      <p:grpSpPr>
-        <a:xfrm>
-          <a:off x="0" y="0"/>
-          <a:ext cx="0" cy="0"/>
-          <a:chOff x="0" y="0"/>
-          <a:chExt cx="0" cy="0"/>
-        </a:xfrm>
-      </p:grpSpPr>
-      <p:sp>
-        <p:nvSpPr>
-          <p:cNvPr id="3" name="内容占位符 2"/>
-          <p:cNvSpPr>
-            <a:spLocks noGrp="1"/>
-          </p:cNvSpPr>
-          <p:nvPr>
-            <p:ph sz="quarter" idx="10"/>
-          </p:nvPr>
-        </p:nvSpPr>
-        <p:spPr/>
-        <p:txBody>
-          <a:bodyPr/>
-          <a:lstStyle/>
-          <a:p>
-            <a:r>
-              <a:rPr lang="zh-CN" altLang="en-US" dirty="0"/>
-              <a:t> 使用 </a:t>
-            </a:r>
-            <a:r>
-              <a:rPr lang="en-US" altLang="zh-CN" dirty="0"/>
-              <a:t>for </a:t>
-            </a:r>
-            <a:r>
-              <a:rPr lang="zh-CN" altLang="en-US" dirty="0"/>
-              <a:t>循环遍历数组</a:t>
-            </a:r>
-            <a:endParaRPr lang="en-US" altLang="zh-CN" dirty="0"/>
-          </a:p>
-          <a:p>
-            <a:pPr lvl="1"/>
-            <a:endParaRPr lang="zh-CN" altLang="en-US" dirty="0"/>
-          </a:p>
-        </p:txBody>
-      </p:sp>
-      <p:sp>
-        <p:nvSpPr>
-          <p:cNvPr id="5" name="内容占位符 4"/>
-          <p:cNvSpPr>
-            <a:spLocks noGrp="1"/>
-          </p:cNvSpPr>
-          <p:nvPr>
-            <p:ph sz="quarter" idx="11"/>
-          </p:nvPr>
-        </p:nvSpPr>
-        <p:spPr/>
-        <p:txBody>
-          <a:bodyPr/>
-          <a:lstStyle/>
-          <a:p>
-            <a:r>
-              <a:rPr lang="zh-CN" altLang="en-US" dirty="0"/>
-              <a:t>把数据写入表格</a:t>
-            </a:r>
-          </a:p>
-        </p:txBody>
-      </p:sp>
-      <p:sp>
-        <p:nvSpPr>
-          <p:cNvPr id="4" name="TextBox 3"/>
-          <p:cNvSpPr txBox="1"/>
-          <p:nvPr/>
-        </p:nvSpPr>
-        <p:spPr>
-          <a:xfrm>
-            <a:off x="2412286" y="2420888"/>
-            <a:ext cx="7176860" cy="2708434"/>
-          </a:xfrm>
-          <a:prstGeom prst="rect">
-            <a:avLst/>
-          </a:prstGeom>
-          <a:noFill/>
-        </p:spPr>
-        <p:txBody>
-          <a:bodyPr wrap="square" rtlCol="0">
-            <a:spAutoFit/>
-          </a:bodyPr>
-          <a:lstStyle/>
-          <a:p>
-            <a:pPr>
-              <a:spcBef>
-                <a:spcPts val="600"/>
-              </a:spcBef>
-              <a:spcAft>
-                <a:spcPts val="600"/>
-              </a:spcAft>
-            </a:pPr>
-            <a:r>
-              <a:rPr lang="en-US" altLang="zh-CN" sz="2800" dirty="0">
-                <a:solidFill>
-                  <a:srgbClr val="FF0000"/>
-                </a:solidFill>
-                <a:latin typeface="微软雅黑" pitchFamily="34" charset="-122"/>
-                <a:ea typeface="微软雅黑" pitchFamily="34" charset="-122"/>
-              </a:rPr>
-              <a:t>for</a:t>
-            </a:r>
-            <a:r>
-              <a:rPr lang="en-US" altLang="zh-CN" sz="2800" dirty="0">
-                <a:latin typeface="微软雅黑" pitchFamily="34" charset="-122"/>
-                <a:ea typeface="微软雅黑" pitchFamily="34" charset="-122"/>
-              </a:rPr>
-              <a:t> (</a:t>
-            </a:r>
-            <a:r>
-              <a:rPr lang="en-US" altLang="zh-CN" sz="2800" dirty="0" err="1">
-                <a:latin typeface="微软雅黑" pitchFamily="34" charset="-122"/>
-                <a:ea typeface="微软雅黑" pitchFamily="34" charset="-122"/>
-              </a:rPr>
-              <a:t>var</a:t>
-            </a:r>
-            <a:r>
-              <a:rPr lang="en-US" altLang="zh-CN" sz="2800" dirty="0">
-                <a:latin typeface="微软雅黑" pitchFamily="34" charset="-122"/>
-                <a:ea typeface="微软雅黑" pitchFamily="34" charset="-122"/>
-              </a:rPr>
-              <a:t> index = 0, </a:t>
-            </a:r>
-            <a:r>
-              <a:rPr lang="en-US" altLang="zh-CN" sz="2800" dirty="0" err="1">
-                <a:latin typeface="微软雅黑" pitchFamily="34" charset="-122"/>
-                <a:ea typeface="微软雅黑" pitchFamily="34" charset="-122"/>
-              </a:rPr>
-              <a:t>len</a:t>
-            </a:r>
-            <a:r>
-              <a:rPr lang="en-US" altLang="zh-CN" sz="2800" dirty="0">
-                <a:latin typeface="微软雅黑" pitchFamily="34" charset="-122"/>
-                <a:ea typeface="微软雅黑" pitchFamily="34" charset="-122"/>
-              </a:rPr>
-              <a:t> = </a:t>
-            </a:r>
-            <a:r>
-              <a:rPr lang="en-US" altLang="zh-CN" sz="2800" dirty="0" err="1">
-                <a:solidFill>
-                  <a:srgbClr val="FF0000"/>
-                </a:solidFill>
-                <a:latin typeface="微软雅黑" pitchFamily="34" charset="-122"/>
-                <a:ea typeface="微软雅黑" pitchFamily="34" charset="-122"/>
-              </a:rPr>
-              <a:t>arr.length</a:t>
-            </a:r>
-            <a:r>
-              <a:rPr lang="en-US" altLang="zh-CN" sz="2800" dirty="0">
-                <a:latin typeface="微软雅黑" pitchFamily="34" charset="-122"/>
-                <a:ea typeface="微软雅黑" pitchFamily="34" charset="-122"/>
-              </a:rPr>
-              <a:t>;  index &lt; </a:t>
-            </a:r>
-            <a:r>
-              <a:rPr lang="en-US" altLang="zh-CN" sz="2800" dirty="0" err="1">
-                <a:latin typeface="微软雅黑" pitchFamily="34" charset="-122"/>
-                <a:ea typeface="微软雅黑" pitchFamily="34" charset="-122"/>
-              </a:rPr>
-              <a:t>len</a:t>
-            </a:r>
-            <a:r>
-              <a:rPr lang="en-US" altLang="zh-CN" sz="2800" dirty="0">
-                <a:latin typeface="微软雅黑" pitchFamily="34" charset="-122"/>
-                <a:ea typeface="微软雅黑" pitchFamily="34" charset="-122"/>
-              </a:rPr>
-              <a:t>;  ++index)</a:t>
-            </a:r>
-          </a:p>
-          <a:p>
-            <a:pPr>
-              <a:spcBef>
-                <a:spcPts val="600"/>
-              </a:spcBef>
-              <a:spcAft>
-                <a:spcPts val="600"/>
-              </a:spcAft>
-            </a:pPr>
-            <a:r>
-              <a:rPr lang="en-US" altLang="zh-CN" sz="2800" dirty="0">
-                <a:latin typeface="微软雅黑" pitchFamily="34" charset="-122"/>
-                <a:ea typeface="微软雅黑" pitchFamily="34" charset="-122"/>
-              </a:rPr>
-              <a:t> </a:t>
-            </a:r>
-            <a:r>
-              <a:rPr lang="en-US" altLang="zh-CN" sz="2800" dirty="0">
-                <a:solidFill>
-                  <a:srgbClr val="FF0000"/>
-                </a:solidFill>
-                <a:latin typeface="微软雅黑" pitchFamily="34" charset="-122"/>
-                <a:ea typeface="微软雅黑" pitchFamily="34" charset="-122"/>
-              </a:rPr>
-              <a:t>{</a:t>
-            </a:r>
-          </a:p>
-          <a:p>
-            <a:pPr lvl="1">
-              <a:spcBef>
-                <a:spcPts val="600"/>
-              </a:spcBef>
-              <a:spcAft>
-                <a:spcPts val="600"/>
-              </a:spcAft>
-            </a:pPr>
-            <a:r>
-              <a:rPr lang="en-US" altLang="zh-CN" sz="2800" dirty="0">
-                <a:latin typeface="微软雅黑" pitchFamily="34" charset="-122"/>
-                <a:ea typeface="微软雅黑" pitchFamily="34" charset="-122"/>
-              </a:rPr>
-              <a:t>      //</a:t>
-            </a:r>
-            <a:r>
-              <a:rPr lang="zh-CN" altLang="en-US" sz="2800" dirty="0">
-                <a:latin typeface="微软雅黑" pitchFamily="34" charset="-122"/>
-                <a:ea typeface="微软雅黑" pitchFamily="34" charset="-122"/>
-              </a:rPr>
-              <a:t>依次处理每个</a:t>
-            </a:r>
-            <a:r>
-              <a:rPr lang="en-US" altLang="zh-CN" sz="2800" dirty="0" err="1">
-                <a:solidFill>
-                  <a:srgbClr val="FF0000"/>
-                </a:solidFill>
-                <a:latin typeface="微软雅黑" pitchFamily="34" charset="-122"/>
-                <a:ea typeface="微软雅黑" pitchFamily="34" charset="-122"/>
-              </a:rPr>
-              <a:t>arr</a:t>
-            </a:r>
-            <a:r>
-              <a:rPr lang="en-US" altLang="zh-CN" sz="2800" dirty="0">
-                <a:solidFill>
-                  <a:srgbClr val="FF0000"/>
-                </a:solidFill>
-                <a:latin typeface="微软雅黑" pitchFamily="34" charset="-122"/>
-                <a:ea typeface="微软雅黑" pitchFamily="34" charset="-122"/>
-              </a:rPr>
-              <a:t>[ index ]</a:t>
-            </a:r>
-          </a:p>
-          <a:p>
-            <a:pPr>
-              <a:spcBef>
-                <a:spcPts val="600"/>
-              </a:spcBef>
-              <a:spcAft>
-                <a:spcPts val="600"/>
-              </a:spcAft>
-            </a:pPr>
-            <a:r>
-              <a:rPr lang="en-US" altLang="zh-CN" sz="2800" dirty="0">
-                <a:latin typeface="微软雅黑" pitchFamily="34" charset="-122"/>
-                <a:ea typeface="微软雅黑" pitchFamily="34" charset="-122"/>
-              </a:rPr>
-              <a:t> </a:t>
-            </a:r>
-            <a:r>
-              <a:rPr lang="en-US" altLang="zh-CN" sz="2800" dirty="0">
-                <a:solidFill>
-                  <a:srgbClr val="FF0000"/>
-                </a:solidFill>
-                <a:latin typeface="微软雅黑" pitchFamily="34" charset="-122"/>
-                <a:ea typeface="微软雅黑" pitchFamily="34" charset="-122"/>
-              </a:rPr>
-              <a:t>}</a:t>
-            </a:r>
-            <a:r>
-              <a:rPr lang="en-US" altLang="zh-CN" sz="2800" dirty="0">
-                <a:latin typeface="微软雅黑" pitchFamily="34" charset="-122"/>
-                <a:ea typeface="微软雅黑" pitchFamily="34" charset="-122"/>
-              </a:rPr>
-              <a:t> </a:t>
-            </a:r>
-            <a:endParaRPr lang="zh-CN" altLang="en-US" sz="2800" dirty="0">
-              <a:latin typeface="微软雅黑" pitchFamily="34" charset="-122"/>
-              <a:ea typeface="微软雅黑" pitchFamily="34" charset="-122"/>
-            </a:endParaRPr>
-          </a:p>
-        </p:txBody>
-      </p:sp>
-    </p:spTree>
-    <p:extLst>
-      <p:ext uri="{BB962C8B-B14F-4D97-AF65-F5344CB8AC3E}">
-        <p14:creationId xmlns:p14="http://schemas.microsoft.com/office/powerpoint/2010/main" val="391635550"/>
-      </p:ext>
-    </p:extLst>
-  </p:cSld>
-  <p:clrMapOvr>
-    <a:masterClrMapping/>
-  </p:clrMapOvr>
   <p:timing>
     <p:tnLst>
       <p:par>
-        <p:cTn id="1" dur="indefinite" restart="never" nodeType="tmRoot">
-          <p:childTnLst>
-            <p:seq concurrent="1" nextAc="seek">
-              <p:cTn id="2" dur="indefinite" nodeType="mainSeq">
-                <p:childTnLst>
-                  <p:par>
-                    <p:cTn id="3" fill="hold">
-                      <p:stCondLst>
-                        <p:cond delay="indefinite"/>
-                      </p:stCondLst>
-                      <p:childTnLst>
-                        <p:par>
-                          <p:cTn id="4" fill="hold">
-                            <p:stCondLst>
-                              <p:cond delay="0"/>
-                            </p:stCondLst>
-                            <p:childTnLst>
-                              <p:par>
-                                <p:cTn id="5" presetID="9" presetClass="entr" presetSubtype="0" fill="hold" grpId="0" nodeType="clickEffect">
-                                  <p:stCondLst>
-                                    <p:cond delay="0"/>
-                                  </p:stCondLst>
-                                  <p:childTnLst>
-                                    <p:set>
-                                      <p:cBhvr>
-                                        <p:cTn id="6" dur="1" fill="hold">
-                                          <p:stCondLst>
-                                            <p:cond delay="0"/>
-                                          </p:stCondLst>
-                                        </p:cTn>
-                                        <p:tgtEl>
-                                          <p:spTgt spid="4"/>
-                                        </p:tgtEl>
-                                        <p:attrNameLst>
-                                          <p:attrName>style.visibility</p:attrName>
-                                        </p:attrNameLst>
-                                      </p:cBhvr>
-                                      <p:to>
-                                        <p:strVal val="visible"/>
-                                      </p:to>
-                                    </p:set>
-                                    <p:animEffect transition="in" filter="dissolve">
-                                      <p:cBhvr>
-                                        <p:cTn id="7" dur="500"/>
-                                        <p:tgtEl>
-                                          <p:spTgt spid="4"/>
-                                        </p:tgtEl>
-                                      </p:cBhvr>
-                                    </p:animEffect>
-                                  </p:childTnLst>
-                                </p:cTn>
-                              </p:par>
-                            </p:childTnLst>
-                          </p:cTn>
-                        </p:par>
-                      </p:childTnLst>
-                    </p:cTn>
-                  </p:par>
-                </p:childTnLst>
-              </p:cTn>
-              <p:prevCondLst>
-                <p:cond evt="onPrev" delay="0">
-                  <p:tgtEl>
-                    <p:sldTgt/>
-                  </p:tgtEl>
-                </p:cond>
-              </p:prevCondLst>
-              <p:nextCondLst>
-                <p:cond evt="onNext" delay="0">
-                  <p:tgtEl>
-                    <p:sldTgt/>
-                  </p:tgtEl>
-                </p:cond>
-              </p:nextCondLst>
-            </p:seq>
-          </p:childTnLst>
-        </p:cTn>
+        <p:cTn id="1" dur="indefinite" restart="never" nodeType="tmRoot"/>
       </p:par>
     </p:tnLst>
-    <p:bldLst>
-      <p:bldP spid="4" grpId="0"/>
-    </p:bldLst>
   </p:timing>
 </p:sld>
 </file>
@@ -5693,6 +6045,724 @@
       </p:grpSpPr>
       <p:sp>
         <p:nvSpPr>
+          <p:cNvPr id="5122" name="TextBox 8"/>
+          <p:cNvSpPr txBox="1">
+            <a:spLocks noChangeArrowheads="1"/>
+          </p:cNvSpPr>
+          <p:nvPr/>
+        </p:nvSpPr>
+        <p:spPr bwMode="auto">
+          <a:xfrm>
+            <a:off x="2281238" y="228600"/>
+            <a:ext cx="1827212" cy="584200"/>
+          </a:xfrm>
+          <a:prstGeom prst="rect">
+            <a:avLst/>
+          </a:prstGeom>
+          <a:noFill/>
+          <a:ln>
+            <a:noFill/>
+          </a:ln>
+          <a:extLst>
+            <a:ext uri="{909E8E84-426E-40DD-AFC4-6F175D3DCCD1}">
+              <a14:hiddenFill xmlns:a14="http://schemas.microsoft.com/office/drawing/2010/main">
+                <a:solidFill>
+                  <a:srgbClr val="FFFFFF"/>
+                </a:solidFill>
+              </a14:hiddenFill>
+            </a:ext>
+            <a:ext uri="{91240B29-F687-4F45-9708-019B960494DF}">
+              <a14:hiddenLine xmlns:a14="http://schemas.microsoft.com/office/drawing/2010/main" w="9525">
+                <a:solidFill>
+                  <a:srgbClr val="000000"/>
+                </a:solidFill>
+                <a:miter lim="800000"/>
+                <a:headEnd/>
+                <a:tailEnd/>
+              </a14:hiddenLine>
+            </a:ext>
+          </a:extLst>
+        </p:spPr>
+        <p:txBody>
+          <a:bodyPr wrap="none">
+            <a:spAutoFit/>
+          </a:bodyPr>
+          <a:lstStyle>
+            <a:lvl1pPr marL="166688" indent="-166688" defTabSz="0" eaLnBrk="0" hangingPunct="0">
+              <a:defRPr sz="3200">
+                <a:solidFill>
+                  <a:schemeClr val="tx1"/>
+                </a:solidFill>
+                <a:latin typeface="Arial" charset="0"/>
+                <a:ea typeface="微软雅黑" pitchFamily="34" charset="-122"/>
+              </a:defRPr>
+            </a:lvl1pPr>
+            <a:lvl2pPr marL="742950" indent="-285750" defTabSz="0" eaLnBrk="0" hangingPunct="0">
+              <a:defRPr sz="3200">
+                <a:solidFill>
+                  <a:schemeClr val="tx1"/>
+                </a:solidFill>
+                <a:latin typeface="Arial" charset="0"/>
+                <a:ea typeface="微软雅黑" pitchFamily="34" charset="-122"/>
+              </a:defRPr>
+            </a:lvl2pPr>
+            <a:lvl3pPr marL="1143000" indent="-228600" defTabSz="0" eaLnBrk="0" hangingPunct="0">
+              <a:defRPr sz="3200">
+                <a:solidFill>
+                  <a:schemeClr val="tx1"/>
+                </a:solidFill>
+                <a:latin typeface="Arial" charset="0"/>
+                <a:ea typeface="微软雅黑" pitchFamily="34" charset="-122"/>
+              </a:defRPr>
+            </a:lvl3pPr>
+            <a:lvl4pPr marL="1600200" indent="-228600" defTabSz="0" eaLnBrk="0" hangingPunct="0">
+              <a:defRPr sz="3200">
+                <a:solidFill>
+                  <a:schemeClr val="tx1"/>
+                </a:solidFill>
+                <a:latin typeface="Arial" charset="0"/>
+                <a:ea typeface="微软雅黑" pitchFamily="34" charset="-122"/>
+              </a:defRPr>
+            </a:lvl4pPr>
+            <a:lvl5pPr marL="2057400" indent="-228600" defTabSz="0" eaLnBrk="0" hangingPunct="0">
+              <a:defRPr sz="3200">
+                <a:solidFill>
+                  <a:schemeClr val="tx1"/>
+                </a:solidFill>
+                <a:latin typeface="Arial" charset="0"/>
+                <a:ea typeface="微软雅黑" pitchFamily="34" charset="-122"/>
+              </a:defRPr>
+            </a:lvl5pPr>
+            <a:lvl6pPr marL="2514600" indent="-228600" defTabSz="0" eaLnBrk="0" fontAlgn="base" hangingPunct="0">
+              <a:spcBef>
+                <a:spcPct val="0"/>
+              </a:spcBef>
+              <a:spcAft>
+                <a:spcPct val="0"/>
+              </a:spcAft>
+              <a:defRPr sz="3200">
+                <a:solidFill>
+                  <a:schemeClr val="tx1"/>
+                </a:solidFill>
+                <a:latin typeface="Arial" charset="0"/>
+                <a:ea typeface="微软雅黑" pitchFamily="34" charset="-122"/>
+              </a:defRPr>
+            </a:lvl6pPr>
+            <a:lvl7pPr marL="2971800" indent="-228600" defTabSz="0" eaLnBrk="0" fontAlgn="base" hangingPunct="0">
+              <a:spcBef>
+                <a:spcPct val="0"/>
+              </a:spcBef>
+              <a:spcAft>
+                <a:spcPct val="0"/>
+              </a:spcAft>
+              <a:defRPr sz="3200">
+                <a:solidFill>
+                  <a:schemeClr val="tx1"/>
+                </a:solidFill>
+                <a:latin typeface="Arial" charset="0"/>
+                <a:ea typeface="微软雅黑" pitchFamily="34" charset="-122"/>
+              </a:defRPr>
+            </a:lvl7pPr>
+            <a:lvl8pPr marL="3429000" indent="-228600" defTabSz="0" eaLnBrk="0" fontAlgn="base" hangingPunct="0">
+              <a:spcBef>
+                <a:spcPct val="0"/>
+              </a:spcBef>
+              <a:spcAft>
+                <a:spcPct val="0"/>
+              </a:spcAft>
+              <a:defRPr sz="3200">
+                <a:solidFill>
+                  <a:schemeClr val="tx1"/>
+                </a:solidFill>
+                <a:latin typeface="Arial" charset="0"/>
+                <a:ea typeface="微软雅黑" pitchFamily="34" charset="-122"/>
+              </a:defRPr>
+            </a:lvl8pPr>
+            <a:lvl9pPr marL="3886200" indent="-228600" defTabSz="0" eaLnBrk="0" fontAlgn="base" hangingPunct="0">
+              <a:spcBef>
+                <a:spcPct val="0"/>
+              </a:spcBef>
+              <a:spcAft>
+                <a:spcPct val="0"/>
+              </a:spcAft>
+              <a:defRPr sz="3200">
+                <a:solidFill>
+                  <a:schemeClr val="tx1"/>
+                </a:solidFill>
+                <a:latin typeface="Arial" charset="0"/>
+                <a:ea typeface="微软雅黑" pitchFamily="34" charset="-122"/>
+              </a:defRPr>
+            </a:lvl9pPr>
+          </a:lstStyle>
+          <a:p>
+            <a:pPr>
+              <a:spcAft>
+                <a:spcPct val="15000"/>
+              </a:spcAft>
+              <a:buClr>
+                <a:schemeClr val="tx2"/>
+              </a:buClr>
+            </a:pPr>
+            <a:r>
+              <a:rPr lang="zh-CN" altLang="en-US">
+                <a:solidFill>
+                  <a:srgbClr val="C00000"/>
+                </a:solidFill>
+                <a:latin typeface="微软雅黑" pitchFamily="34" charset="-122"/>
+              </a:rPr>
+              <a:t>内容提纲</a:t>
+            </a:r>
+          </a:p>
+        </p:txBody>
+      </p:sp>
+      <p:sp>
+        <p:nvSpPr>
+          <p:cNvPr id="5123" name="AutoShape 6"/>
+          <p:cNvSpPr>
+            <a:spLocks noChangeArrowheads="1"/>
+          </p:cNvSpPr>
+          <p:nvPr/>
+        </p:nvSpPr>
+        <p:spPr bwMode="auto">
+          <a:xfrm>
+            <a:off x="2881313" y="1500188"/>
+            <a:ext cx="6711950" cy="4214812"/>
+          </a:xfrm>
+          <a:prstGeom prst="roundRect">
+            <a:avLst>
+              <a:gd name="adj" fmla="val 16667"/>
+            </a:avLst>
+          </a:prstGeom>
+          <a:noFill/>
+          <a:ln w="28575">
+            <a:solidFill>
+              <a:srgbClr val="C0C0C0"/>
+            </a:solidFill>
+            <a:prstDash val="sysDot"/>
+            <a:round/>
+            <a:headEnd/>
+            <a:tailEnd/>
+          </a:ln>
+          <a:extLst>
+            <a:ext uri="{909E8E84-426E-40DD-AFC4-6F175D3DCCD1}">
+              <a14:hiddenFill xmlns:a14="http://schemas.microsoft.com/office/drawing/2010/main">
+                <a:solidFill>
+                  <a:srgbClr val="FFFFFF"/>
+                </a:solidFill>
+              </a14:hiddenFill>
+            </a:ext>
+          </a:extLst>
+        </p:spPr>
+        <p:txBody>
+          <a:bodyPr wrap="none" anchor="ctr"/>
+          <a:lstStyle/>
+          <a:p>
+            <a:pPr marL="457200" indent="-457200" eaLnBrk="0" hangingPunct="0">
+              <a:lnSpc>
+                <a:spcPct val="150000"/>
+              </a:lnSpc>
+              <a:spcBef>
+                <a:spcPts val="1200"/>
+              </a:spcBef>
+              <a:spcAft>
+                <a:spcPts val="1200"/>
+              </a:spcAft>
+              <a:buClr>
+                <a:srgbClr val="92D050"/>
+              </a:buClr>
+              <a:buFont typeface="Wingdings" pitchFamily="2" charset="2"/>
+              <a:buChar char="Ø"/>
+            </a:pPr>
+            <a:r>
+              <a:rPr lang="zh-CN" altLang="en-US" sz="2800" b="1" dirty="0"/>
+              <a:t>使用字符串表示单个数据</a:t>
+            </a:r>
+          </a:p>
+          <a:p>
+            <a:pPr marL="457200" indent="-457200" eaLnBrk="0" hangingPunct="0">
+              <a:lnSpc>
+                <a:spcPct val="150000"/>
+              </a:lnSpc>
+              <a:spcBef>
+                <a:spcPts val="1200"/>
+              </a:spcBef>
+              <a:spcAft>
+                <a:spcPts val="1200"/>
+              </a:spcAft>
+              <a:buClr>
+                <a:srgbClr val="92D050"/>
+              </a:buClr>
+              <a:buFont typeface="Wingdings" pitchFamily="2" charset="2"/>
+              <a:buChar char="Ø"/>
+            </a:pPr>
+            <a:r>
+              <a:rPr lang="zh-CN" altLang="en-US" sz="2800" b="1" dirty="0"/>
+              <a:t>使用数组表示多个数据</a:t>
+            </a:r>
+          </a:p>
+          <a:p>
+            <a:pPr marL="457200" indent="-457200" eaLnBrk="0" hangingPunct="0">
+              <a:lnSpc>
+                <a:spcPct val="150000"/>
+              </a:lnSpc>
+              <a:spcBef>
+                <a:spcPts val="1200"/>
+              </a:spcBef>
+              <a:spcAft>
+                <a:spcPts val="1200"/>
+              </a:spcAft>
+              <a:buClr>
+                <a:srgbClr val="92D050"/>
+              </a:buClr>
+              <a:buFont typeface="Wingdings" pitchFamily="2" charset="2"/>
+              <a:buChar char="Ø"/>
+            </a:pPr>
+            <a:r>
+              <a:rPr lang="zh-CN" altLang="en-US" sz="2800" b="1" dirty="0">
+                <a:solidFill>
+                  <a:srgbClr val="FF0000"/>
+                </a:solidFill>
+              </a:rPr>
+              <a:t>遍历数组把数据写入表格</a:t>
+            </a:r>
+            <a:endParaRPr lang="en-US" altLang="zh-CN" sz="2800" b="1" dirty="0">
+              <a:solidFill>
+                <a:srgbClr val="FF0000"/>
+              </a:solidFill>
+            </a:endParaRPr>
+          </a:p>
+        </p:txBody>
+      </p:sp>
+    </p:spTree>
+    <p:extLst>
+      <p:ext uri="{BB962C8B-B14F-4D97-AF65-F5344CB8AC3E}">
+        <p14:creationId xmlns:p14="http://schemas.microsoft.com/office/powerpoint/2010/main" val="1581047109"/>
+      </p:ext>
+    </p:extLst>
+  </p:cSld>
+  <p:clrMapOvr>
+    <a:masterClrMapping/>
+  </p:clrMapOvr>
+  <p:timing>
+    <p:tnLst>
+      <p:par>
+        <p:cTn id="1" dur="indefinite" restart="never" nodeType="tmRoot"/>
+      </p:par>
+    </p:tnLst>
+  </p:timing>
+</p:sld>
+</file>
+
+<file path=ppt/slides/slide21.xml><?xml version="1.0" encoding="utf-8"?>
+<p:sld xmlns:a="http://schemas.openxmlformats.org/drawingml/2006/main" xmlns:r="http://schemas.openxmlformats.org/officeDocument/2006/relationships" xmlns:p="http://schemas.openxmlformats.org/presentationml/2006/main">
+  <p:cSld>
+    <p:spTree>
+      <p:nvGrpSpPr>
+        <p:cNvPr id="1" name=""/>
+        <p:cNvGrpSpPr/>
+        <p:nvPr/>
+      </p:nvGrpSpPr>
+      <p:grpSpPr>
+        <a:xfrm>
+          <a:off x="0" y="0"/>
+          <a:ext cx="0" cy="0"/>
+          <a:chOff x="0" y="0"/>
+          <a:chExt cx="0" cy="0"/>
+        </a:xfrm>
+      </p:grpSpPr>
+      <p:sp>
+        <p:nvSpPr>
+          <p:cNvPr id="3" name="内容占位符 2"/>
+          <p:cNvSpPr>
+            <a:spLocks noGrp="1"/>
+          </p:cNvSpPr>
+          <p:nvPr>
+            <p:ph sz="quarter" idx="10"/>
+          </p:nvPr>
+        </p:nvSpPr>
+        <p:spPr/>
+        <p:txBody>
+          <a:bodyPr/>
+          <a:lstStyle/>
+          <a:p>
+            <a:r>
+              <a:rPr lang="zh-CN" altLang="en-US" dirty="0"/>
+              <a:t> 使用 </a:t>
+            </a:r>
+            <a:r>
+              <a:rPr lang="en-US" altLang="zh-CN" dirty="0"/>
+              <a:t>for </a:t>
+            </a:r>
+            <a:r>
+              <a:rPr lang="zh-CN" altLang="en-US" dirty="0"/>
+              <a:t>循环遍历数组</a:t>
+            </a:r>
+            <a:endParaRPr lang="en-US" altLang="zh-CN" dirty="0"/>
+          </a:p>
+          <a:p>
+            <a:pPr lvl="1"/>
+            <a:endParaRPr lang="zh-CN" altLang="en-US" dirty="0"/>
+          </a:p>
+        </p:txBody>
+      </p:sp>
+      <p:sp>
+        <p:nvSpPr>
+          <p:cNvPr id="5" name="内容占位符 4"/>
+          <p:cNvSpPr>
+            <a:spLocks noGrp="1"/>
+          </p:cNvSpPr>
+          <p:nvPr>
+            <p:ph sz="quarter" idx="11"/>
+          </p:nvPr>
+        </p:nvSpPr>
+        <p:spPr/>
+        <p:txBody>
+          <a:bodyPr/>
+          <a:lstStyle/>
+          <a:p>
+            <a:r>
+              <a:rPr lang="zh-CN" altLang="en-US" dirty="0"/>
+              <a:t>把数据写入表格</a:t>
+            </a:r>
+          </a:p>
+        </p:txBody>
+      </p:sp>
+      <p:sp>
+        <p:nvSpPr>
+          <p:cNvPr id="4" name="TextBox 3"/>
+          <p:cNvSpPr txBox="1"/>
+          <p:nvPr/>
+        </p:nvSpPr>
+        <p:spPr>
+          <a:xfrm>
+            <a:off x="2412286" y="2420888"/>
+            <a:ext cx="7176860" cy="2708434"/>
+          </a:xfrm>
+          <a:prstGeom prst="rect">
+            <a:avLst/>
+          </a:prstGeom>
+          <a:noFill/>
+        </p:spPr>
+        <p:txBody>
+          <a:bodyPr wrap="square" rtlCol="0">
+            <a:spAutoFit/>
+          </a:bodyPr>
+          <a:lstStyle/>
+          <a:p>
+            <a:pPr>
+              <a:spcBef>
+                <a:spcPts val="600"/>
+              </a:spcBef>
+              <a:spcAft>
+                <a:spcPts val="600"/>
+              </a:spcAft>
+            </a:pPr>
+            <a:r>
+              <a:rPr lang="en-US" altLang="zh-CN" sz="2800" dirty="0">
+                <a:solidFill>
+                  <a:srgbClr val="FF0000"/>
+                </a:solidFill>
+                <a:latin typeface="微软雅黑" pitchFamily="34" charset="-122"/>
+                <a:ea typeface="微软雅黑" pitchFamily="34" charset="-122"/>
+              </a:rPr>
+              <a:t>for</a:t>
+            </a:r>
+            <a:r>
+              <a:rPr lang="en-US" altLang="zh-CN" sz="2800" dirty="0">
+                <a:latin typeface="微软雅黑" pitchFamily="34" charset="-122"/>
+                <a:ea typeface="微软雅黑" pitchFamily="34" charset="-122"/>
+              </a:rPr>
+              <a:t> (</a:t>
+            </a:r>
+            <a:r>
+              <a:rPr lang="en-US" altLang="zh-CN" sz="2800" dirty="0" err="1">
+                <a:latin typeface="微软雅黑" pitchFamily="34" charset="-122"/>
+                <a:ea typeface="微软雅黑" pitchFamily="34" charset="-122"/>
+              </a:rPr>
+              <a:t>var</a:t>
+            </a:r>
+            <a:r>
+              <a:rPr lang="en-US" altLang="zh-CN" sz="2800" dirty="0">
+                <a:latin typeface="微软雅黑" pitchFamily="34" charset="-122"/>
+                <a:ea typeface="微软雅黑" pitchFamily="34" charset="-122"/>
+              </a:rPr>
+              <a:t> index = 0, </a:t>
+            </a:r>
+            <a:r>
+              <a:rPr lang="en-US" altLang="zh-CN" sz="2800" dirty="0" err="1">
+                <a:latin typeface="微软雅黑" pitchFamily="34" charset="-122"/>
+                <a:ea typeface="微软雅黑" pitchFamily="34" charset="-122"/>
+              </a:rPr>
+              <a:t>len</a:t>
+            </a:r>
+            <a:r>
+              <a:rPr lang="en-US" altLang="zh-CN" sz="2800" dirty="0">
+                <a:latin typeface="微软雅黑" pitchFamily="34" charset="-122"/>
+                <a:ea typeface="微软雅黑" pitchFamily="34" charset="-122"/>
+              </a:rPr>
+              <a:t> = </a:t>
+            </a:r>
+            <a:r>
+              <a:rPr lang="en-US" altLang="zh-CN" sz="2800" dirty="0" err="1">
+                <a:solidFill>
+                  <a:srgbClr val="FF0000"/>
+                </a:solidFill>
+                <a:latin typeface="微软雅黑" pitchFamily="34" charset="-122"/>
+                <a:ea typeface="微软雅黑" pitchFamily="34" charset="-122"/>
+              </a:rPr>
+              <a:t>arr.length</a:t>
+            </a:r>
+            <a:r>
+              <a:rPr lang="en-US" altLang="zh-CN" sz="2800" dirty="0">
+                <a:latin typeface="微软雅黑" pitchFamily="34" charset="-122"/>
+                <a:ea typeface="微软雅黑" pitchFamily="34" charset="-122"/>
+              </a:rPr>
+              <a:t>;  index &lt; </a:t>
+            </a:r>
+            <a:r>
+              <a:rPr lang="en-US" altLang="zh-CN" sz="2800" dirty="0" err="1">
+                <a:latin typeface="微软雅黑" pitchFamily="34" charset="-122"/>
+                <a:ea typeface="微软雅黑" pitchFamily="34" charset="-122"/>
+              </a:rPr>
+              <a:t>len</a:t>
+            </a:r>
+            <a:r>
+              <a:rPr lang="en-US" altLang="zh-CN" sz="2800" dirty="0">
+                <a:latin typeface="微软雅黑" pitchFamily="34" charset="-122"/>
+                <a:ea typeface="微软雅黑" pitchFamily="34" charset="-122"/>
+              </a:rPr>
+              <a:t>;  ++index)</a:t>
+            </a:r>
+          </a:p>
+          <a:p>
+            <a:pPr>
+              <a:spcBef>
+                <a:spcPts val="600"/>
+              </a:spcBef>
+              <a:spcAft>
+                <a:spcPts val="600"/>
+              </a:spcAft>
+            </a:pPr>
+            <a:r>
+              <a:rPr lang="en-US" altLang="zh-CN" sz="2800" dirty="0">
+                <a:latin typeface="微软雅黑" pitchFamily="34" charset="-122"/>
+                <a:ea typeface="微软雅黑" pitchFamily="34" charset="-122"/>
+              </a:rPr>
+              <a:t> </a:t>
+            </a:r>
+            <a:r>
+              <a:rPr lang="en-US" altLang="zh-CN" sz="2800" dirty="0">
+                <a:solidFill>
+                  <a:srgbClr val="FF0000"/>
+                </a:solidFill>
+                <a:latin typeface="微软雅黑" pitchFamily="34" charset="-122"/>
+                <a:ea typeface="微软雅黑" pitchFamily="34" charset="-122"/>
+              </a:rPr>
+              <a:t>{</a:t>
+            </a:r>
+          </a:p>
+          <a:p>
+            <a:pPr lvl="1">
+              <a:spcBef>
+                <a:spcPts val="600"/>
+              </a:spcBef>
+              <a:spcAft>
+                <a:spcPts val="600"/>
+              </a:spcAft>
+            </a:pPr>
+            <a:r>
+              <a:rPr lang="en-US" altLang="zh-CN" sz="2800" dirty="0">
+                <a:latin typeface="微软雅黑" pitchFamily="34" charset="-122"/>
+                <a:ea typeface="微软雅黑" pitchFamily="34" charset="-122"/>
+              </a:rPr>
+              <a:t>      //</a:t>
+            </a:r>
+            <a:r>
+              <a:rPr lang="zh-CN" altLang="en-US" sz="2800" dirty="0">
+                <a:latin typeface="微软雅黑" pitchFamily="34" charset="-122"/>
+                <a:ea typeface="微软雅黑" pitchFamily="34" charset="-122"/>
+              </a:rPr>
+              <a:t>依次处理每个</a:t>
+            </a:r>
+            <a:r>
+              <a:rPr lang="en-US" altLang="zh-CN" sz="2800" dirty="0" err="1">
+                <a:solidFill>
+                  <a:srgbClr val="FF0000"/>
+                </a:solidFill>
+                <a:latin typeface="微软雅黑" pitchFamily="34" charset="-122"/>
+                <a:ea typeface="微软雅黑" pitchFamily="34" charset="-122"/>
+              </a:rPr>
+              <a:t>arr</a:t>
+            </a:r>
+            <a:r>
+              <a:rPr lang="en-US" altLang="zh-CN" sz="2800" dirty="0">
+                <a:solidFill>
+                  <a:srgbClr val="FF0000"/>
+                </a:solidFill>
+                <a:latin typeface="微软雅黑" pitchFamily="34" charset="-122"/>
+                <a:ea typeface="微软雅黑" pitchFamily="34" charset="-122"/>
+              </a:rPr>
+              <a:t>[ index ]</a:t>
+            </a:r>
+          </a:p>
+          <a:p>
+            <a:pPr>
+              <a:spcBef>
+                <a:spcPts val="600"/>
+              </a:spcBef>
+              <a:spcAft>
+                <a:spcPts val="600"/>
+              </a:spcAft>
+            </a:pPr>
+            <a:r>
+              <a:rPr lang="en-US" altLang="zh-CN" sz="2800" dirty="0">
+                <a:latin typeface="微软雅黑" pitchFamily="34" charset="-122"/>
+                <a:ea typeface="微软雅黑" pitchFamily="34" charset="-122"/>
+              </a:rPr>
+              <a:t> </a:t>
+            </a:r>
+            <a:r>
+              <a:rPr lang="en-US" altLang="zh-CN" sz="2800" dirty="0">
+                <a:solidFill>
+                  <a:srgbClr val="FF0000"/>
+                </a:solidFill>
+                <a:latin typeface="微软雅黑" pitchFamily="34" charset="-122"/>
+                <a:ea typeface="微软雅黑" pitchFamily="34" charset="-122"/>
+              </a:rPr>
+              <a:t>}</a:t>
+            </a:r>
+            <a:r>
+              <a:rPr lang="en-US" altLang="zh-CN" sz="2800" dirty="0">
+                <a:latin typeface="微软雅黑" pitchFamily="34" charset="-122"/>
+                <a:ea typeface="微软雅黑" pitchFamily="34" charset="-122"/>
+              </a:rPr>
+              <a:t> </a:t>
+            </a:r>
+            <a:endParaRPr lang="zh-CN" altLang="en-US" sz="2800" dirty="0">
+              <a:latin typeface="微软雅黑" pitchFamily="34" charset="-122"/>
+              <a:ea typeface="微软雅黑" pitchFamily="34" charset="-122"/>
+            </a:endParaRPr>
+          </a:p>
+        </p:txBody>
+      </p:sp>
+    </p:spTree>
+    <p:extLst>
+      <p:ext uri="{BB962C8B-B14F-4D97-AF65-F5344CB8AC3E}">
+        <p14:creationId xmlns:p14="http://schemas.microsoft.com/office/powerpoint/2010/main" val="391635550"/>
+      </p:ext>
+    </p:extLst>
+  </p:cSld>
+  <p:clrMapOvr>
+    <a:masterClrMapping/>
+  </p:clrMapOvr>
+  <p:timing>
+    <p:tnLst>
+      <p:par>
+        <p:cTn id="1" dur="indefinite" restart="never" nodeType="tmRoot">
+          <p:childTnLst>
+            <p:seq concurrent="1" nextAc="seek">
+              <p:cTn id="2" dur="indefinite" nodeType="mainSeq">
+                <p:childTnLst>
+                  <p:par>
+                    <p:cTn id="3" fill="hold">
+                      <p:stCondLst>
+                        <p:cond delay="indefinite"/>
+                      </p:stCondLst>
+                      <p:childTnLst>
+                        <p:par>
+                          <p:cTn id="4" fill="hold">
+                            <p:stCondLst>
+                              <p:cond delay="0"/>
+                            </p:stCondLst>
+                            <p:childTnLst>
+                              <p:par>
+                                <p:cTn id="5" presetID="9" presetClass="entr" presetSubtype="0" fill="hold" grpId="0" nodeType="clickEffect">
+                                  <p:stCondLst>
+                                    <p:cond delay="0"/>
+                                  </p:stCondLst>
+                                  <p:childTnLst>
+                                    <p:set>
+                                      <p:cBhvr>
+                                        <p:cTn id="6" dur="1" fill="hold">
+                                          <p:stCondLst>
+                                            <p:cond delay="0"/>
+                                          </p:stCondLst>
+                                        </p:cTn>
+                                        <p:tgtEl>
+                                          <p:spTgt spid="4"/>
+                                        </p:tgtEl>
+                                        <p:attrNameLst>
+                                          <p:attrName>style.visibility</p:attrName>
+                                        </p:attrNameLst>
+                                      </p:cBhvr>
+                                      <p:to>
+                                        <p:strVal val="visible"/>
+                                      </p:to>
+                                    </p:set>
+                                    <p:animEffect transition="in" filter="dissolve">
+                                      <p:cBhvr>
+                                        <p:cTn id="7" dur="500"/>
+                                        <p:tgtEl>
+                                          <p:spTgt spid="4"/>
+                                        </p:tgtEl>
+                                      </p:cBhvr>
+                                    </p:animEffect>
+                                  </p:childTnLst>
+                                </p:cTn>
+                              </p:par>
+                            </p:childTnLst>
+                          </p:cTn>
+                        </p:par>
+                      </p:childTnLst>
+                    </p:cTn>
+                  </p:par>
+                </p:childTnLst>
+              </p:cTn>
+              <p:prevCondLst>
+                <p:cond evt="onPrev" delay="0">
+                  <p:tgtEl>
+                    <p:sldTgt/>
+                  </p:tgtEl>
+                </p:cond>
+              </p:prevCondLst>
+              <p:nextCondLst>
+                <p:cond evt="onNext" delay="0">
+                  <p:tgtEl>
+                    <p:sldTgt/>
+                  </p:tgtEl>
+                </p:cond>
+              </p:nextCondLst>
+            </p:seq>
+          </p:childTnLst>
+        </p:cTn>
+      </p:par>
+    </p:tnLst>
+    <p:bldLst>
+      <p:bldP spid="4" grpId="0"/>
+    </p:bldLst>
+  </p:timing>
+</p:sld>
+</file>
+
+<file path=ppt/slides/slide22.xml><?xml version="1.0" encoding="utf-8"?>
+<p:sld xmlns:a="http://schemas.openxmlformats.org/drawingml/2006/main" xmlns:r="http://schemas.openxmlformats.org/officeDocument/2006/relationships" xmlns:p="http://schemas.openxmlformats.org/presentationml/2006/main">
+  <p:cSld>
+    <p:spTree>
+      <p:nvGrpSpPr>
+        <p:cNvPr id="1" name=""/>
+        <p:cNvGrpSpPr/>
+        <p:nvPr/>
+      </p:nvGrpSpPr>
+      <p:grpSpPr>
+        <a:xfrm>
+          <a:off x="0" y="0"/>
+          <a:ext cx="0" cy="0"/>
+          <a:chOff x="0" y="0"/>
+          <a:chExt cx="0" cy="0"/>
+        </a:xfrm>
+      </p:grpSpPr>
+      <p:sp>
+        <p:nvSpPr>
           <p:cNvPr id="3" name="内容占位符 2"/>
           <p:cNvSpPr>
             <a:spLocks noGrp="1"/>
@@ -6288,7 +7358,7 @@
         <p:spPr bwMode="auto">
           <a:xfrm>
             <a:off x="7344139" y="1412776"/>
-            <a:ext cx="2208245" cy="504056"/>
+            <a:ext cx="2568285" cy="504056"/>
           </a:xfrm>
           <a:prstGeom prst="rect">
             <a:avLst/>
@@ -6324,7 +7394,7 @@
               </a:spcAft>
             </a:pPr>
             <a:r>
-              <a:rPr kumimoji="0" lang="en-US" altLang="zh-CN" sz="2800" b="0" i="0" u="none" strike="noStrike" cap="none" normalizeH="0" baseline="0" dirty="0">
+              <a:rPr kumimoji="0" lang="en-US" altLang="zh-CN" sz="2800" b="0" i="0" u="none" strike="noStrike" cap="none" normalizeH="0" baseline="0" dirty="0" smtClean="0">
                 <a:ln>
                   <a:noFill/>
                 </a:ln>
@@ -6334,7 +7404,20 @@
                 <a:effectLst/>
                 <a:latin typeface="Arial" pitchFamily="34" charset="0"/>
               </a:rPr>
-              <a:t>IE</a:t>
+              <a:t>IE9</a:t>
+            </a:r>
+            <a:r>
+              <a:rPr kumimoji="0" lang="zh-CN" altLang="en-US" sz="2800" b="0" i="0" u="none" strike="noStrike" cap="none" normalizeH="0" baseline="0" dirty="0" smtClean="0">
+                <a:ln>
+                  <a:noFill/>
+                </a:ln>
+                <a:solidFill>
+                  <a:schemeClr val="bg1"/>
+                </a:solidFill>
+                <a:effectLst/>
+                <a:latin typeface="Arial" pitchFamily="34" charset="0"/>
+              </a:rPr>
+              <a:t>以下不</a:t>
             </a:r>
             <a:r>
               <a:rPr kumimoji="0" lang="zh-CN" altLang="en-US" sz="2800" b="0" i="0" u="none" strike="noStrike" cap="none" normalizeH="0" baseline="0" dirty="0">
@@ -6347,7 +7430,7 @@
                 <a:effectLst/>
                 <a:latin typeface="Arial" pitchFamily="34" charset="0"/>
               </a:rPr>
-              <a:t>不兼容</a:t>
+              <a:t>兼容</a:t>
             </a:r>
           </a:p>
         </p:txBody>
@@ -6481,7 +7564,7 @@
 </p:sld>
 </file>
 
-<file path=ppt/slides/slide21.xml><?xml version="1.0" encoding="utf-8"?>
+<file path=ppt/slides/slide23.xml><?xml version="1.0" encoding="utf-8"?>
 <p:sld xmlns:a="http://schemas.openxmlformats.org/drawingml/2006/main" xmlns:r="http://schemas.openxmlformats.org/officeDocument/2006/relationships" xmlns:p="http://schemas.openxmlformats.org/presentationml/2006/main">
   <p:cSld>
     <p:spTree>
@@ -6612,10 +7695,17 @@
   <p:clrMapOvr>
     <a:masterClrMapping/>
   </p:clrMapOvr>
+  <p:timing>
+    <p:tnLst>
+      <p:par>
+        <p:cTn id="1" dur="indefinite" restart="never" nodeType="tmRoot"/>
+      </p:par>
+    </p:tnLst>
+  </p:timing>
 </p:sld>
 </file>
 
-<file path=ppt/slides/slide22.xml><?xml version="1.0" encoding="utf-8"?>
+<file path=ppt/slides/slide24.xml><?xml version="1.0" encoding="utf-8"?>
 <p:sld xmlns:a="http://schemas.openxmlformats.org/drawingml/2006/main" xmlns:r="http://schemas.openxmlformats.org/officeDocument/2006/relationships" xmlns:p="http://schemas.openxmlformats.org/presentationml/2006/main">
   <p:cSld>
     <p:spTree>
@@ -6782,10 +7872,17 @@
   <p:clrMapOvr>
     <a:masterClrMapping/>
   </p:clrMapOvr>
+  <p:timing>
+    <p:tnLst>
+      <p:par>
+        <p:cTn id="1" dur="indefinite" restart="never" nodeType="tmRoot"/>
+      </p:par>
+    </p:tnLst>
+  </p:timing>
 </p:sld>
 </file>
 
-<file path=ppt/slides/slide23.xml><?xml version="1.0" encoding="utf-8"?>
+<file path=ppt/slides/slide25.xml><?xml version="1.0" encoding="utf-8"?>
 <p:sld xmlns:a="http://schemas.openxmlformats.org/drawingml/2006/main" xmlns:r="http://schemas.openxmlformats.org/officeDocument/2006/relationships" xmlns:p="http://schemas.openxmlformats.org/presentationml/2006/main">
   <p:cSld>
     <p:spTree>
@@ -6880,10 +7977,17 @@
   <p:clrMapOvr>
     <a:masterClrMapping/>
   </p:clrMapOvr>
+  <p:timing>
+    <p:tnLst>
+      <p:par>
+        <p:cTn id="1" dur="indefinite" restart="never" nodeType="tmRoot"/>
+      </p:par>
+    </p:tnLst>
+  </p:timing>
 </p:sld>
 </file>
 
-<file path=ppt/slides/slide24.xml><?xml version="1.0" encoding="utf-8"?>
+<file path=ppt/slides/slide26.xml><?xml version="1.0" encoding="utf-8"?>
 <p:sld xmlns:a="http://schemas.openxmlformats.org/drawingml/2006/main" xmlns:r="http://schemas.openxmlformats.org/officeDocument/2006/relationships" xmlns:p="http://schemas.openxmlformats.org/presentationml/2006/main">
   <p:cSld>
     <p:spTree>
@@ -7082,6 +8186,13 @@
   <p:clrMapOvr>
     <a:masterClrMapping/>
   </p:clrMapOvr>
+  <p:timing>
+    <p:tnLst>
+      <p:par>
+        <p:cTn id="1" dur="indefinite" restart="never" nodeType="tmRoot"/>
+      </p:par>
+    </p:tnLst>
+  </p:timing>
 </p:sld>
 </file>
 
@@ -7198,6 +8309,13 @@
   <p:clrMapOvr>
     <a:masterClrMapping/>
   </p:clrMapOvr>
+  <p:timing>
+    <p:tnLst>
+      <p:par>
+        <p:cTn id="1" dur="indefinite" restart="never" nodeType="tmRoot"/>
+      </p:par>
+    </p:tnLst>
+  </p:timing>
 </p:sld>
 </file>
 
@@ -7514,6 +8632,13 @@
   <p:clrMapOvr>
     <a:masterClrMapping/>
   </p:clrMapOvr>
+  <p:timing>
+    <p:tnLst>
+      <p:par>
+        <p:cTn id="1" dur="indefinite" restart="never" nodeType="tmRoot"/>
+      </p:par>
+    </p:tnLst>
+  </p:timing>
 </p:sld>
 </file>
 
@@ -7779,6 +8904,13 @@
   <p:clrMapOvr>
     <a:masterClrMapping/>
   </p:clrMapOvr>
+  <p:timing>
+    <p:tnLst>
+      <p:par>
+        <p:cTn id="1" dur="indefinite" restart="never" nodeType="tmRoot"/>
+      </p:par>
+    </p:tnLst>
+  </p:timing>
 </p:sld>
 </file>
 
@@ -8016,10 +9148,249 @@
   <p:clrMapOvr>
     <a:masterClrMapping/>
   </p:clrMapOvr>
+  <p:timing>
+    <p:tnLst>
+      <p:par>
+        <p:cTn id="1" dur="indefinite" restart="never" nodeType="tmRoot"/>
+      </p:par>
+    </p:tnLst>
+  </p:timing>
 </p:sld>
 </file>
 
 <file path=ppt/slides/slide7.xml><?xml version="1.0" encoding="utf-8"?>
+<p:sld xmlns:a="http://schemas.openxmlformats.org/drawingml/2006/main" xmlns:r="http://schemas.openxmlformats.org/officeDocument/2006/relationships" xmlns:p="http://schemas.openxmlformats.org/presentationml/2006/main">
+  <p:cSld>
+    <p:spTree>
+      <p:nvGrpSpPr>
+        <p:cNvPr id="1" name=""/>
+        <p:cNvGrpSpPr/>
+        <p:nvPr/>
+      </p:nvGrpSpPr>
+      <p:grpSpPr>
+        <a:xfrm>
+          <a:off x="0" y="0"/>
+          <a:ext cx="0" cy="0"/>
+          <a:chOff x="0" y="0"/>
+          <a:chExt cx="0" cy="0"/>
+        </a:xfrm>
+      </p:grpSpPr>
+      <p:sp>
+        <p:nvSpPr>
+          <p:cNvPr id="2" name="内容占位符 1"/>
+          <p:cNvSpPr>
+            <a:spLocks noGrp="1"/>
+          </p:cNvSpPr>
+          <p:nvPr>
+            <p:ph sz="quarter" idx="10"/>
+          </p:nvPr>
+        </p:nvSpPr>
+        <p:spPr>
+          <a:xfrm>
+            <a:off x="1090714" y="1052736"/>
+            <a:ext cx="10045846" cy="4643437"/>
+          </a:xfrm>
+        </p:spPr>
+        <p:txBody>
+          <a:bodyPr/>
+          <a:lstStyle/>
+          <a:p>
+            <a:r>
+              <a:rPr lang="zh-CN" altLang="en-US" dirty="0" smtClean="0"/>
+              <a:t> 返回</a:t>
+            </a:r>
+            <a:r>
+              <a:rPr lang="zh-CN" altLang="en-US" dirty="0"/>
+              <a:t>在指定位置的字符</a:t>
+            </a:r>
+            <a:endParaRPr lang="en-US" altLang="zh-CN" dirty="0"/>
+          </a:p>
+          <a:p>
+            <a:pPr lvl="1"/>
+            <a:r>
+              <a:rPr lang="zh-CN" altLang="en-US" sz="2400" dirty="0"/>
+              <a:t> </a:t>
+            </a:r>
+            <a:r>
+              <a:rPr lang="en-US" altLang="zh-CN" sz="2400" dirty="0" err="1"/>
+              <a:t>charAt</a:t>
+            </a:r>
+            <a:r>
+              <a:rPr lang="en-US" altLang="zh-CN" sz="2400" dirty="0" smtClean="0"/>
+              <a:t>(  ) </a:t>
+            </a:r>
+          </a:p>
+          <a:p>
+            <a:r>
+              <a:rPr lang="zh-CN" altLang="en-US" dirty="0" smtClean="0"/>
+              <a:t> 把</a:t>
+            </a:r>
+            <a:r>
+              <a:rPr lang="zh-CN" altLang="en-US" dirty="0"/>
+              <a:t>字符串分割为字符串</a:t>
+            </a:r>
+            <a:r>
+              <a:rPr lang="zh-CN" altLang="en-US" dirty="0" smtClean="0"/>
+              <a:t>数组</a:t>
+            </a:r>
+            <a:endParaRPr lang="en-US" altLang="zh-CN" dirty="0" smtClean="0"/>
+          </a:p>
+          <a:p>
+            <a:pPr lvl="1"/>
+            <a:r>
+              <a:rPr lang="en-US" altLang="zh-CN" sz="2400" dirty="0"/>
+              <a:t> split</a:t>
+            </a:r>
+            <a:r>
+              <a:rPr lang="en-US" altLang="zh-CN" sz="2400" dirty="0" smtClean="0"/>
+              <a:t>(  )</a:t>
+            </a:r>
+          </a:p>
+          <a:p>
+            <a:pPr lvl="1"/>
+            <a:r>
+              <a:rPr lang="en-US" altLang="zh-CN" sz="2400" dirty="0"/>
+              <a:t> </a:t>
+            </a:r>
+            <a:r>
+              <a:rPr lang="zh-CN" altLang="en-US" sz="2400" dirty="0" smtClean="0"/>
+              <a:t>参数为指定的分割字符</a:t>
+            </a:r>
+            <a:endParaRPr lang="zh-CN" altLang="en-US" sz="2400" dirty="0"/>
+          </a:p>
+        </p:txBody>
+      </p:sp>
+      <p:sp>
+        <p:nvSpPr>
+          <p:cNvPr id="3" name="内容占位符 2"/>
+          <p:cNvSpPr>
+            <a:spLocks noGrp="1"/>
+          </p:cNvSpPr>
+          <p:nvPr>
+            <p:ph sz="quarter" idx="11"/>
+          </p:nvPr>
+        </p:nvSpPr>
+        <p:spPr/>
+        <p:txBody>
+          <a:bodyPr/>
+          <a:lstStyle/>
+          <a:p>
+            <a:r>
+              <a:rPr lang="zh-CN" altLang="en-US" dirty="0"/>
+              <a:t>字符串操作</a:t>
+            </a:r>
+          </a:p>
+        </p:txBody>
+      </p:sp>
+      <p:sp>
+        <p:nvSpPr>
+          <p:cNvPr id="4" name="文本框 3"/>
+          <p:cNvSpPr txBox="1"/>
+          <p:nvPr/>
+        </p:nvSpPr>
+        <p:spPr>
+          <a:xfrm>
+            <a:off x="7680176" y="5696173"/>
+            <a:ext cx="3096344" cy="461665"/>
+          </a:xfrm>
+          <a:prstGeom prst="rect">
+            <a:avLst/>
+          </a:prstGeom>
+          <a:noFill/>
+        </p:spPr>
+        <p:txBody>
+          <a:bodyPr wrap="square" rtlCol="0">
+            <a:spAutoFit/>
+          </a:bodyPr>
+          <a:lstStyle/>
+          <a:p>
+            <a:r>
+              <a:rPr lang="en-US" altLang="zh-CN" sz="2400" dirty="0">
+                <a:latin typeface="+mn-ea"/>
+              </a:rPr>
+              <a:t>demo4-0.html</a:t>
+            </a:r>
+          </a:p>
+        </p:txBody>
+      </p:sp>
+      <p:sp>
+        <p:nvSpPr>
+          <p:cNvPr id="5" name="TextBox 4"/>
+          <p:cNvSpPr txBox="1">
+            <a:spLocks noChangeArrowheads="1"/>
+          </p:cNvSpPr>
+          <p:nvPr/>
+        </p:nvSpPr>
+        <p:spPr bwMode="auto">
+          <a:xfrm>
+            <a:off x="983432" y="4869160"/>
+            <a:ext cx="9897350" cy="830997"/>
+          </a:xfrm>
+          <a:prstGeom prst="rect">
+            <a:avLst/>
+          </a:prstGeom>
+          <a:noFill/>
+          <a:ln w="9525">
+            <a:noFill/>
+            <a:miter lim="800000"/>
+            <a:headEnd/>
+            <a:tailEnd/>
+          </a:ln>
+        </p:spPr>
+        <p:txBody>
+          <a:bodyPr wrap="square">
+            <a:spAutoFit/>
+          </a:bodyPr>
+          <a:lstStyle/>
+          <a:p>
+            <a:r>
+              <a:rPr lang="zh-CN" altLang="en-US" sz="2400" dirty="0"/>
+              <a:t>更多</a:t>
+            </a:r>
+            <a:r>
+              <a:rPr lang="zh-CN" altLang="en-US" sz="2400" dirty="0" smtClean="0"/>
+              <a:t>参考：</a:t>
+            </a:r>
+            <a:r>
+              <a:rPr lang="en-US" altLang="zh-CN" sz="2400" dirty="0" smtClean="0">
+                <a:hlinkClick r:id="rId3"/>
+              </a:rPr>
+              <a:t>http</a:t>
+            </a:r>
+            <a:r>
+              <a:rPr lang="en-US" altLang="zh-CN" sz="2400" dirty="0">
+                <a:hlinkClick r:id="rId3"/>
+              </a:rPr>
+              <a:t>://www.w3school.com.cn/jsref/jsref_obj_string.asp</a:t>
+            </a:r>
+            <a:endParaRPr lang="zh-CN" altLang="en-US" sz="2400" dirty="0"/>
+          </a:p>
+          <a:p>
+            <a:endParaRPr lang="zh-CN" altLang="en-US" sz="2400" dirty="0"/>
+          </a:p>
+        </p:txBody>
+      </p:sp>
+    </p:spTree>
+    <p:extLst>
+      <p:ext uri="{BB962C8B-B14F-4D97-AF65-F5344CB8AC3E}">
+        <p14:creationId xmlns:p14="http://schemas.microsoft.com/office/powerpoint/2010/main" val="3818224624"/>
+      </p:ext>
+    </p:extLst>
+  </p:cSld>
+  <p:clrMapOvr>
+    <a:masterClrMapping/>
+  </p:clrMapOvr>
+  <p:timing>
+    <p:tnLst>
+      <p:par>
+        <p:cTn id="1" dur="indefinite" restart="never" nodeType="tmRoot"/>
+      </p:par>
+    </p:tnLst>
+  </p:timing>
+</p:sld>
+</file>
+
+<file path=ppt/slides/slide8.xml><?xml version="1.0" encoding="utf-8"?>
 <p:sld xmlns:a="http://schemas.openxmlformats.org/drawingml/2006/main" xmlns:r="http://schemas.openxmlformats.org/officeDocument/2006/relationships" xmlns:p="http://schemas.openxmlformats.org/presentationml/2006/main">
   <p:cSld>
     <p:spTree>
@@ -8246,10 +9617,17 @@
   <p:clrMapOvr>
     <a:masterClrMapping/>
   </p:clrMapOvr>
+  <p:timing>
+    <p:tnLst>
+      <p:par>
+        <p:cTn id="1" dur="indefinite" restart="never" nodeType="tmRoot"/>
+      </p:par>
+    </p:tnLst>
+  </p:timing>
 </p:sld>
 </file>
 
-<file path=ppt/slides/slide8.xml><?xml version="1.0" encoding="utf-8"?>
+<file path=ppt/slides/slide9.xml><?xml version="1.0" encoding="utf-8"?>
 <p:sld xmlns:a="http://schemas.openxmlformats.org/drawingml/2006/main" xmlns:r="http://schemas.openxmlformats.org/officeDocument/2006/relationships" xmlns:p="http://schemas.openxmlformats.org/presentationml/2006/main">
   <p:cSld>
     <p:spTree>
@@ -8397,163 +9775,13 @@
   <p:clrMapOvr>
     <a:masterClrMapping/>
   </p:clrMapOvr>
-</p:sld>
-</file>
-
-<file path=ppt/slides/slide9.xml><?xml version="1.0" encoding="utf-8"?>
-<p:sld xmlns:a="http://schemas.openxmlformats.org/drawingml/2006/main" xmlns:r="http://schemas.openxmlformats.org/officeDocument/2006/relationships" xmlns:p="http://schemas.openxmlformats.org/presentationml/2006/main">
-  <p:cSld>
-    <p:spTree>
-      <p:nvGrpSpPr>
-        <p:cNvPr id="1" name=""/>
-        <p:cNvGrpSpPr/>
-        <p:nvPr/>
-      </p:nvGrpSpPr>
-      <p:grpSpPr>
-        <a:xfrm>
-          <a:off x="0" y="0"/>
-          <a:ext cx="0" cy="0"/>
-          <a:chOff x="0" y="0"/>
-          <a:chExt cx="0" cy="0"/>
-        </a:xfrm>
-      </p:grpSpPr>
-      <p:sp>
-        <p:nvSpPr>
-          <p:cNvPr id="3" name="内容占位符 2"/>
-          <p:cNvSpPr>
-            <a:spLocks noGrp="1"/>
-          </p:cNvSpPr>
-          <p:nvPr>
-            <p:ph sz="quarter" idx="10"/>
-          </p:nvPr>
-        </p:nvSpPr>
-        <p:spPr>
-          <a:xfrm>
-            <a:off x="1090714" y="1124744"/>
-            <a:ext cx="9715500" cy="4643437"/>
-          </a:xfrm>
-        </p:spPr>
-        <p:txBody>
-          <a:bodyPr/>
-          <a:lstStyle/>
-          <a:p>
-            <a:r>
-              <a:rPr lang="zh-CN" altLang="en-US" dirty="0"/>
-              <a:t> 字符串定义： 单引号或双引号定义</a:t>
-            </a:r>
-            <a:endParaRPr lang="en-US" altLang="zh-CN" dirty="0"/>
-          </a:p>
-          <a:p>
-            <a:r>
-              <a:rPr lang="zh-CN" altLang="en-US" dirty="0"/>
-              <a:t> 字符串常用操作：</a:t>
-            </a:r>
-            <a:endParaRPr lang="en-US" altLang="zh-CN" dirty="0"/>
-          </a:p>
-          <a:p>
-            <a:pPr lvl="1"/>
-            <a:r>
-              <a:rPr lang="zh-CN" altLang="en-US" sz="2400" dirty="0"/>
-              <a:t> 字符串长度：</a:t>
-            </a:r>
-            <a:r>
-              <a:rPr lang="en-US" altLang="zh-CN" sz="2400" dirty="0"/>
-              <a:t>length </a:t>
-            </a:r>
-            <a:r>
-              <a:rPr lang="zh-CN" altLang="en-US" sz="2400" dirty="0"/>
-              <a:t>属性</a:t>
-            </a:r>
-            <a:endParaRPr lang="en-US" altLang="zh-CN" sz="2400" dirty="0"/>
-          </a:p>
-          <a:p>
-            <a:pPr lvl="1"/>
-            <a:r>
-              <a:rPr lang="zh-CN" altLang="en-US" sz="2400" dirty="0"/>
-              <a:t> 截取子串：</a:t>
-            </a:r>
-            <a:r>
-              <a:rPr lang="en-US" altLang="zh-CN" sz="2400" dirty="0" err="1"/>
-              <a:t>substr</a:t>
-            </a:r>
-            <a:r>
-              <a:rPr lang="en-US" altLang="zh-CN" sz="2400" dirty="0"/>
-              <a:t>( ) </a:t>
-            </a:r>
-            <a:r>
-              <a:rPr lang="zh-CN" altLang="en-US" sz="2400" dirty="0"/>
-              <a:t>方法</a:t>
-            </a:r>
-            <a:endParaRPr lang="en-US" altLang="zh-CN" sz="2400" dirty="0"/>
-          </a:p>
-          <a:p>
-            <a:pPr lvl="1"/>
-            <a:r>
-              <a:rPr lang="zh-CN" altLang="en-US" sz="2400" dirty="0"/>
-              <a:t> 查找子串：</a:t>
-            </a:r>
-            <a:r>
-              <a:rPr lang="en-US" altLang="zh-CN" sz="2400" dirty="0"/>
-              <a:t>indexOf( ) </a:t>
-            </a:r>
-            <a:r>
-              <a:rPr lang="zh-CN" altLang="en-US" sz="2400" dirty="0"/>
-              <a:t>方法</a:t>
-            </a:r>
-            <a:endParaRPr lang="en-US" altLang="zh-CN" sz="2400" dirty="0"/>
-          </a:p>
-          <a:p>
-            <a:pPr lvl="1"/>
-            <a:r>
-              <a:rPr lang="zh-CN" altLang="en-US" sz="2400" dirty="0"/>
-              <a:t> 字符串连接运算符： </a:t>
-            </a:r>
-            <a:r>
-              <a:rPr lang="en-US" altLang="zh-CN" sz="2400" dirty="0"/>
-              <a:t>+   +=</a:t>
-            </a:r>
-          </a:p>
-          <a:p>
-            <a:pPr lvl="1"/>
-            <a:r>
-              <a:rPr lang="zh-CN" altLang="en-US" sz="2400" dirty="0"/>
-              <a:t> 其它常用操作：详见参考手册</a:t>
-            </a:r>
-          </a:p>
-        </p:txBody>
-      </p:sp>
-      <p:sp>
-        <p:nvSpPr>
-          <p:cNvPr id="4" name="内容占位符 3"/>
-          <p:cNvSpPr>
-            <a:spLocks noGrp="1"/>
-          </p:cNvSpPr>
-          <p:nvPr>
-            <p:ph sz="quarter" idx="11"/>
-          </p:nvPr>
-        </p:nvSpPr>
-        <p:spPr/>
-        <p:txBody>
-          <a:bodyPr/>
-          <a:lstStyle/>
-          <a:p>
-            <a:r>
-              <a:rPr lang="zh-CN" altLang="en-US" dirty="0"/>
-              <a:t>字符串小结</a:t>
-            </a:r>
-          </a:p>
-        </p:txBody>
-      </p:sp>
-    </p:spTree>
-    <p:extLst>
-      <p:ext uri="{BB962C8B-B14F-4D97-AF65-F5344CB8AC3E}">
-        <p14:creationId xmlns:p14="http://schemas.microsoft.com/office/powerpoint/2010/main" val="1577181737"/>
-      </p:ext>
-    </p:extLst>
-  </p:cSld>
-  <p:clrMapOvr>
-    <a:masterClrMapping/>
-  </p:clrMapOvr>
+  <p:timing>
+    <p:tnLst>
+      <p:par>
+        <p:cTn id="1" dur="indefinite" restart="never" nodeType="tmRoot"/>
+      </p:par>
+    </p:tnLst>
+  </p:timing>
 </p:sld>
 </file>
 
